--- a/CX1003 Project.pptx
+++ b/CX1003 Project.pptx
@@ -4079,7 +4079,7 @@
           <a:p>
             <a:fld id="{A2B3656B-D715-824C-8031-6B37F52EFF8C}" type="datetimeFigureOut">
               <a:rPr kumimoji="1" lang="ko-KR" altLang="en-US" smtClean="0"/>
-              <a:t>2019. 10. 31.</a:t>
+              <a:t>2019. 11. 9.</a:t>
             </a:fld>
             <a:endParaRPr kumimoji="1" lang="ko-KR" altLang="en-US"/>
           </a:p>
@@ -4396,7 +4396,7 @@
           <a:p>
             <a:fld id="{A2B3656B-D715-824C-8031-6B37F52EFF8C}" type="datetimeFigureOut">
               <a:rPr kumimoji="1" lang="ko-KR" altLang="en-US" smtClean="0"/>
-              <a:t>2019. 10. 31.</a:t>
+              <a:t>2019. 11. 9.</a:t>
             </a:fld>
             <a:endParaRPr kumimoji="1" lang="ko-KR" altLang="en-US"/>
           </a:p>
@@ -4623,7 +4623,7 @@
           <a:p>
             <a:fld id="{A2B3656B-D715-824C-8031-6B37F52EFF8C}" type="datetimeFigureOut">
               <a:rPr kumimoji="1" lang="ko-KR" altLang="en-US" smtClean="0"/>
-              <a:t>2019. 10. 31.</a:t>
+              <a:t>2019. 11. 9.</a:t>
             </a:fld>
             <a:endParaRPr kumimoji="1" lang="ko-KR" altLang="en-US"/>
           </a:p>
@@ -4924,7 +4924,7 @@
           <a:p>
             <a:fld id="{A2B3656B-D715-824C-8031-6B37F52EFF8C}" type="datetimeFigureOut">
               <a:rPr kumimoji="1" lang="ko-KR" altLang="en-US" smtClean="0"/>
-              <a:t>2019. 10. 31.</a:t>
+              <a:t>2019. 11. 9.</a:t>
             </a:fld>
             <a:endParaRPr kumimoji="1" lang="ko-KR" altLang="en-US"/>
           </a:p>
@@ -5383,7 +5383,7 @@
           <a:p>
             <a:fld id="{A2B3656B-D715-824C-8031-6B37F52EFF8C}" type="datetimeFigureOut">
               <a:rPr kumimoji="1" lang="ko-KR" altLang="en-US" smtClean="0"/>
-              <a:t>2019. 10. 31.</a:t>
+              <a:t>2019. 11. 9.</a:t>
             </a:fld>
             <a:endParaRPr kumimoji="1" lang="ko-KR" altLang="en-US"/>
           </a:p>
@@ -5989,7 +5989,7 @@
           <a:p>
             <a:fld id="{A2B3656B-D715-824C-8031-6B37F52EFF8C}" type="datetimeFigureOut">
               <a:rPr kumimoji="1" lang="ko-KR" altLang="en-US" smtClean="0"/>
-              <a:t>2019. 10. 31.</a:t>
+              <a:t>2019. 11. 9.</a:t>
             </a:fld>
             <a:endParaRPr kumimoji="1" lang="ko-KR" altLang="en-US"/>
           </a:p>
@@ -6871,7 +6871,7 @@
           <a:p>
             <a:fld id="{A2B3656B-D715-824C-8031-6B37F52EFF8C}" type="datetimeFigureOut">
               <a:rPr kumimoji="1" lang="ko-KR" altLang="en-US" smtClean="0"/>
-              <a:t>2019. 10. 31.</a:t>
+              <a:t>2019. 11. 9.</a:t>
             </a:fld>
             <a:endParaRPr kumimoji="1" lang="ko-KR" altLang="en-US"/>
           </a:p>
@@ -7052,7 +7052,7 @@
           <a:p>
             <a:fld id="{A2B3656B-D715-824C-8031-6B37F52EFF8C}" type="datetimeFigureOut">
               <a:rPr kumimoji="1" lang="ko-KR" altLang="en-US" smtClean="0"/>
-              <a:t>2019. 10. 31.</a:t>
+              <a:t>2019. 11. 9.</a:t>
             </a:fld>
             <a:endParaRPr kumimoji="1" lang="ko-KR" altLang="en-US"/>
           </a:p>
@@ -7242,7 +7242,7 @@
           <a:p>
             <a:fld id="{A2B3656B-D715-824C-8031-6B37F52EFF8C}" type="datetimeFigureOut">
               <a:rPr kumimoji="1" lang="ko-KR" altLang="en-US" smtClean="0"/>
-              <a:t>2019. 10. 31.</a:t>
+              <a:t>2019. 11. 9.</a:t>
             </a:fld>
             <a:endParaRPr kumimoji="1" lang="ko-KR" altLang="en-US"/>
           </a:p>
@@ -7388,7 +7388,7 @@
           <a:p>
             <a:fld id="{A2B3656B-D715-824C-8031-6B37F52EFF8C}" type="datetimeFigureOut">
               <a:rPr kumimoji="1" lang="ko-KR" altLang="en-US" smtClean="0"/>
-              <a:t>2019. 10. 31.</a:t>
+              <a:t>2019. 11. 9.</a:t>
             </a:fld>
             <a:endParaRPr kumimoji="1" lang="ko-KR" altLang="en-US"/>
           </a:p>
@@ -7569,7 +7569,7 @@
           <a:p>
             <a:fld id="{A2B3656B-D715-824C-8031-6B37F52EFF8C}" type="datetimeFigureOut">
               <a:rPr kumimoji="1" lang="ko-KR" altLang="en-US" smtClean="0"/>
-              <a:t>2019. 10. 31.</a:t>
+              <a:t>2019. 11. 9.</a:t>
             </a:fld>
             <a:endParaRPr kumimoji="1" lang="ko-KR" altLang="en-US"/>
           </a:p>
@@ -7854,7 +7854,7 @@
           <a:p>
             <a:fld id="{A2B3656B-D715-824C-8031-6B37F52EFF8C}" type="datetimeFigureOut">
               <a:rPr kumimoji="1" lang="ko-KR" altLang="en-US" smtClean="0"/>
-              <a:t>2019. 10. 31.</a:t>
+              <a:t>2019. 11. 9.</a:t>
             </a:fld>
             <a:endParaRPr kumimoji="1" lang="ko-KR" altLang="en-US"/>
           </a:p>
@@ -8073,7 +8073,7 @@
           <a:p>
             <a:fld id="{A2B3656B-D715-824C-8031-6B37F52EFF8C}" type="datetimeFigureOut">
               <a:rPr kumimoji="1" lang="ko-KR" altLang="en-US" smtClean="0"/>
-              <a:t>2019. 10. 31.</a:t>
+              <a:t>2019. 11. 9.</a:t>
             </a:fld>
             <a:endParaRPr kumimoji="1" lang="ko-KR" altLang="en-US"/>
           </a:p>
@@ -8450,7 +8450,7 @@
           <a:p>
             <a:fld id="{A2B3656B-D715-824C-8031-6B37F52EFF8C}" type="datetimeFigureOut">
               <a:rPr kumimoji="1" lang="ko-KR" altLang="en-US" smtClean="0"/>
-              <a:t>2019. 10. 31.</a:t>
+              <a:t>2019. 11. 9.</a:t>
             </a:fld>
             <a:endParaRPr kumimoji="1" lang="ko-KR" altLang="en-US"/>
           </a:p>
@@ -8598,7 +8598,7 @@
           <a:p>
             <a:fld id="{A2B3656B-D715-824C-8031-6B37F52EFF8C}" type="datetimeFigureOut">
               <a:rPr kumimoji="1" lang="ko-KR" altLang="en-US" smtClean="0"/>
-              <a:t>2019. 10. 31.</a:t>
+              <a:t>2019. 11. 9.</a:t>
             </a:fld>
             <a:endParaRPr kumimoji="1" lang="ko-KR" altLang="en-US"/>
           </a:p>
@@ -8723,7 +8723,7 @@
           <a:p>
             <a:fld id="{A2B3656B-D715-824C-8031-6B37F52EFF8C}" type="datetimeFigureOut">
               <a:rPr kumimoji="1" lang="ko-KR" altLang="en-US" smtClean="0"/>
-              <a:t>2019. 10. 31.</a:t>
+              <a:t>2019. 11. 9.</a:t>
             </a:fld>
             <a:endParaRPr kumimoji="1" lang="ko-KR" altLang="en-US"/>
           </a:p>
@@ -8983,7 +8983,7 @@
           <a:p>
             <a:fld id="{A2B3656B-D715-824C-8031-6B37F52EFF8C}" type="datetimeFigureOut">
               <a:rPr kumimoji="1" lang="ko-KR" altLang="en-US" smtClean="0"/>
-              <a:t>2019. 10. 31.</a:t>
+              <a:t>2019. 11. 9.</a:t>
             </a:fld>
             <a:endParaRPr kumimoji="1" lang="ko-KR" altLang="en-US"/>
           </a:p>
@@ -9300,7 +9300,7 @@
           <a:p>
             <a:fld id="{A2B3656B-D715-824C-8031-6B37F52EFF8C}" type="datetimeFigureOut">
               <a:rPr kumimoji="1" lang="ko-KR" altLang="en-US" smtClean="0"/>
-              <a:t>2019. 10. 31.</a:t>
+              <a:t>2019. 11. 9.</a:t>
             </a:fld>
             <a:endParaRPr kumimoji="1" lang="ko-KR" altLang="en-US"/>
           </a:p>
@@ -9534,7 +9534,7 @@
           <a:p>
             <a:fld id="{A2B3656B-D715-824C-8031-6B37F52EFF8C}" type="datetimeFigureOut">
               <a:rPr kumimoji="1" lang="ko-KR" altLang="en-US" smtClean="0"/>
-              <a:t>2019. 10. 31.</a:t>
+              <a:t>2019. 11. 9.</a:t>
             </a:fld>
             <a:endParaRPr kumimoji="1" lang="ko-KR" altLang="en-US"/>
           </a:p>
@@ -11103,7 +11103,7 @@
         </p:nvSpPr>
         <p:spPr>
           <a:xfrm>
-            <a:off x="172793" y="3139966"/>
+            <a:off x="238639" y="1614706"/>
             <a:ext cx="1481959" cy="578067"/>
           </a:xfrm>
           <a:prstGeom prst="flowChartTerminator">
@@ -11769,15 +11769,16 @@
             </a:extLst>
           </p:cNvPr>
           <p:cNvCxnSpPr>
-            <a:stCxn id="5" idx="3"/>
+            <a:cxnSpLocks/>
+            <a:stCxn id="32" idx="3"/>
             <a:endCxn id="6" idx="5"/>
           </p:cNvCxnSpPr>
           <p:nvPr/>
         </p:nvCxnSpPr>
         <p:spPr>
           <a:xfrm flipV="1">
-            <a:off x="1654752" y="2778855"/>
-            <a:ext cx="791206" cy="650145"/>
+            <a:off x="1985850" y="2778855"/>
+            <a:ext cx="460108" cy="643032"/>
           </a:xfrm>
           <a:prstGeom prst="straightConnector1">
             <a:avLst/>
@@ -11812,15 +11813,15 @@
           </p:cNvPr>
           <p:cNvCxnSpPr>
             <a:cxnSpLocks/>
-            <a:stCxn id="5" idx="3"/>
+            <a:stCxn id="32" idx="3"/>
             <a:endCxn id="7" idx="5"/>
           </p:cNvCxnSpPr>
           <p:nvPr/>
         </p:nvCxnSpPr>
         <p:spPr>
           <a:xfrm>
-            <a:off x="1654752" y="3429000"/>
-            <a:ext cx="659488" cy="650146"/>
+            <a:off x="1985850" y="3421887"/>
+            <a:ext cx="328390" cy="657259"/>
           </a:xfrm>
           <a:prstGeom prst="straightConnector1">
             <a:avLst/>
@@ -12482,6 +12483,108 @@
           </a:p>
         </p:txBody>
       </p:sp>
+      <p:sp>
+        <p:nvSpPr>
+          <p:cNvPr id="32" name="순서도: 판단 9">
+            <a:extLst>
+              <a:ext uri="{FF2B5EF4-FFF2-40B4-BE49-F238E27FC236}">
+                <a16:creationId xmlns:a16="http://schemas.microsoft.com/office/drawing/2014/main" id="{FEC34C8E-930D-AC40-ABB1-C3B2E43C3EB5}"/>
+              </a:ext>
+            </a:extLst>
+          </p:cNvPr>
+          <p:cNvSpPr/>
+          <p:nvPr/>
+        </p:nvSpPr>
+        <p:spPr>
+          <a:xfrm>
+            <a:off x="-26612" y="2748918"/>
+            <a:ext cx="2012462" cy="1345937"/>
+          </a:xfrm>
+          <a:prstGeom prst="flowChartDecision">
+            <a:avLst/>
+          </a:prstGeom>
+          <a:solidFill>
+            <a:srgbClr val="FF0000"/>
+          </a:solidFill>
+        </p:spPr>
+        <p:style>
+          <a:lnRef idx="2">
+            <a:schemeClr val="accent1">
+              <a:shade val="50000"/>
+            </a:schemeClr>
+          </a:lnRef>
+          <a:fillRef idx="1">
+            <a:schemeClr val="accent1"/>
+          </a:fillRef>
+          <a:effectRef idx="0">
+            <a:schemeClr val="accent1"/>
+          </a:effectRef>
+          <a:fontRef idx="minor">
+            <a:schemeClr val="lt1"/>
+          </a:fontRef>
+        </p:style>
+        <p:txBody>
+          <a:bodyPr rtlCol="0" anchor="ctr"/>
+          <a:lstStyle/>
+          <a:p>
+            <a:pPr algn="ctr"/>
+            <a:r>
+              <a:rPr lang="en-SG" sz="1600" dirty="0"/>
+              <a:t>User Select</a:t>
+            </a:r>
+          </a:p>
+          <a:p>
+            <a:pPr algn="ctr"/>
+            <a:r>
+              <a:rPr lang="en-SG" sz="1600" dirty="0"/>
+              <a:t>Menu</a:t>
+            </a:r>
+          </a:p>
+        </p:txBody>
+      </p:sp>
+      <p:cxnSp>
+        <p:nvCxnSpPr>
+          <p:cNvPr id="39" name="직선 화살표 연결선 38">
+            <a:extLst>
+              <a:ext uri="{FF2B5EF4-FFF2-40B4-BE49-F238E27FC236}">
+                <a16:creationId xmlns:a16="http://schemas.microsoft.com/office/drawing/2014/main" id="{866BE067-4E62-644F-B7C1-9AE04A8E6A9F}"/>
+              </a:ext>
+            </a:extLst>
+          </p:cNvPr>
+          <p:cNvCxnSpPr>
+            <a:cxnSpLocks/>
+            <a:stCxn id="5" idx="2"/>
+            <a:endCxn id="32" idx="0"/>
+          </p:cNvCxnSpPr>
+          <p:nvPr/>
+        </p:nvCxnSpPr>
+        <p:spPr>
+          <a:xfrm>
+            <a:off x="979619" y="2192773"/>
+            <a:ext cx="0" cy="556145"/>
+          </a:xfrm>
+          <a:prstGeom prst="straightConnector1">
+            <a:avLst/>
+          </a:prstGeom>
+          <a:ln>
+            <a:tailEnd type="triangle"/>
+          </a:ln>
+        </p:spPr>
+        <p:style>
+          <a:lnRef idx="2">
+            <a:schemeClr val="accent1"/>
+          </a:lnRef>
+          <a:fillRef idx="0">
+            <a:schemeClr val="accent1"/>
+          </a:fillRef>
+          <a:effectRef idx="1">
+            <a:schemeClr val="accent1"/>
+          </a:effectRef>
+          <a:fontRef idx="minor">
+            <a:schemeClr val="tx1"/>
+          </a:fontRef>
+        </p:style>
+      </p:cxnSp>
     </p:spTree>
     <p:extLst>
       <p:ext uri="{BB962C8B-B14F-4D97-AF65-F5344CB8AC3E}">
@@ -12561,7 +12664,7 @@
                                           </p:stCondLst>
                                         </p:cTn>
                                         <p:tgtEl>
-                                          <p:spTgt spid="17"/>
+                                          <p:spTgt spid="39"/>
                                         </p:tgtEl>
                                         <p:attrNameLst>
                                           <p:attrName>style.visibility</p:attrName>
@@ -12575,7 +12678,7 @@
                                       <p:cBhvr>
                                         <p:cTn id="10" dur="500"/>
                                         <p:tgtEl>
-                                          <p:spTgt spid="17"/>
+                                          <p:spTgt spid="39"/>
                                         </p:tgtEl>
                                       </p:cBhvr>
                                     </p:animEffect>
@@ -12583,7 +12686,7 @@
                                 </p:cTn>
                               </p:par>
                               <p:par>
-                                <p:cTn id="11" presetID="3" presetClass="entr" presetSubtype="10" fill="hold" nodeType="withEffect">
+                                <p:cTn id="11" presetID="3" presetClass="entr" presetSubtype="10" fill="hold" grpId="0" nodeType="withEffect">
                                   <p:stCondLst>
                                     <p:cond delay="0"/>
                                   </p:stCondLst>
@@ -12596,7 +12699,7 @@
                                           </p:stCondLst>
                                         </p:cTn>
                                         <p:tgtEl>
-                                          <p:spTgt spid="18"/>
+                                          <p:spTgt spid="32"/>
                                         </p:tgtEl>
                                         <p:attrNameLst>
                                           <p:attrName>style.visibility</p:attrName>
@@ -12610,7 +12713,7 @@
                                       <p:cBhvr>
                                         <p:cTn id="13" dur="500"/>
                                         <p:tgtEl>
-                                          <p:spTgt spid="18"/>
+                                          <p:spTgt spid="32"/>
                                         </p:tgtEl>
                                       </p:cBhvr>
                                     </p:animEffect>
@@ -12636,7 +12739,7 @@
                             </p:stCondLst>
                             <p:childTnLst>
                               <p:par>
-                                <p:cTn id="16" presetID="3" presetClass="entr" presetSubtype="10" fill="hold" grpId="0" nodeType="clickEffect">
+                                <p:cTn id="16" presetID="3" presetClass="entr" presetSubtype="10" fill="hold" nodeType="clickEffect">
                                   <p:stCondLst>
                                     <p:cond delay="0"/>
                                   </p:stCondLst>
@@ -12649,7 +12752,7 @@
                                           </p:stCondLst>
                                         </p:cTn>
                                         <p:tgtEl>
-                                          <p:spTgt spid="6"/>
+                                          <p:spTgt spid="17"/>
                                         </p:tgtEl>
                                         <p:attrNameLst>
                                           <p:attrName>style.visibility</p:attrName>
@@ -12663,7 +12766,7 @@
                                       <p:cBhvr>
                                         <p:cTn id="18" dur="500"/>
                                         <p:tgtEl>
-                                          <p:spTgt spid="6"/>
+                                          <p:spTgt spid="17"/>
                                         </p:tgtEl>
                                       </p:cBhvr>
                                     </p:animEffect>
@@ -12671,7 +12774,7 @@
                                 </p:cTn>
                               </p:par>
                               <p:par>
-                                <p:cTn id="19" presetID="3" presetClass="entr" presetSubtype="10" fill="hold" grpId="0" nodeType="withEffect">
+                                <p:cTn id="19" presetID="3" presetClass="entr" presetSubtype="10" fill="hold" nodeType="withEffect">
                                   <p:stCondLst>
                                     <p:cond delay="0"/>
                                   </p:stCondLst>
@@ -12684,7 +12787,7 @@
                                           </p:stCondLst>
                                         </p:cTn>
                                         <p:tgtEl>
-                                          <p:spTgt spid="7"/>
+                                          <p:spTgt spid="18"/>
                                         </p:tgtEl>
                                         <p:attrNameLst>
                                           <p:attrName>style.visibility</p:attrName>
@@ -12698,7 +12801,7 @@
                                       <p:cBhvr>
                                         <p:cTn id="21" dur="500"/>
                                         <p:tgtEl>
-                                          <p:spTgt spid="7"/>
+                                          <p:spTgt spid="18"/>
                                         </p:tgtEl>
                                       </p:cBhvr>
                                     </p:animEffect>
@@ -12724,7 +12827,7 @@
                             </p:stCondLst>
                             <p:childTnLst>
                               <p:par>
-                                <p:cTn id="24" presetID="3" presetClass="entr" presetSubtype="10" fill="hold" nodeType="clickEffect">
+                                <p:cTn id="24" presetID="3" presetClass="entr" presetSubtype="10" fill="hold" grpId="0" nodeType="clickEffect">
                                   <p:stCondLst>
                                     <p:cond delay="0"/>
                                   </p:stCondLst>
@@ -12737,7 +12840,7 @@
                                           </p:stCondLst>
                                         </p:cTn>
                                         <p:tgtEl>
-                                          <p:spTgt spid="25"/>
+                                          <p:spTgt spid="6"/>
                                         </p:tgtEl>
                                         <p:attrNameLst>
                                           <p:attrName>style.visibility</p:attrName>
@@ -12751,7 +12854,7 @@
                                       <p:cBhvr>
                                         <p:cTn id="26" dur="500"/>
                                         <p:tgtEl>
-                                          <p:spTgt spid="25"/>
+                                          <p:spTgt spid="6"/>
                                         </p:tgtEl>
                                       </p:cBhvr>
                                     </p:animEffect>
@@ -12772,7 +12875,7 @@
                                           </p:stCondLst>
                                         </p:cTn>
                                         <p:tgtEl>
-                                          <p:spTgt spid="8"/>
+                                          <p:spTgt spid="7"/>
                                         </p:tgtEl>
                                         <p:attrNameLst>
                                           <p:attrName>style.visibility</p:attrName>
@@ -12786,6 +12889,94 @@
                                       <p:cBhvr>
                                         <p:cTn id="29" dur="500"/>
                                         <p:tgtEl>
+                                          <p:spTgt spid="7"/>
+                                        </p:tgtEl>
+                                      </p:cBhvr>
+                                    </p:animEffect>
+                                  </p:childTnLst>
+                                </p:cTn>
+                              </p:par>
+                            </p:childTnLst>
+                          </p:cTn>
+                        </p:par>
+                      </p:childTnLst>
+                    </p:cTn>
+                  </p:par>
+                  <p:par>
+                    <p:cTn id="30" fill="hold">
+                      <p:stCondLst>
+                        <p:cond delay="indefinite"/>
+                      </p:stCondLst>
+                      <p:childTnLst>
+                        <p:par>
+                          <p:cTn id="31" fill="hold">
+                            <p:stCondLst>
+                              <p:cond delay="0"/>
+                            </p:stCondLst>
+                            <p:childTnLst>
+                              <p:par>
+                                <p:cTn id="32" presetID="3" presetClass="entr" presetSubtype="10" fill="hold" nodeType="clickEffect">
+                                  <p:stCondLst>
+                                    <p:cond delay="0"/>
+                                  </p:stCondLst>
+                                  <p:childTnLst>
+                                    <p:set>
+                                      <p:cBhvr>
+                                        <p:cTn id="33" dur="1" fill="hold">
+                                          <p:stCondLst>
+                                            <p:cond delay="0"/>
+                                          </p:stCondLst>
+                                        </p:cTn>
+                                        <p:tgtEl>
+                                          <p:spTgt spid="25"/>
+                                        </p:tgtEl>
+                                        <p:attrNameLst>
+                                          <p:attrName>style.visibility</p:attrName>
+                                        </p:attrNameLst>
+                                      </p:cBhvr>
+                                      <p:to>
+                                        <p:strVal val="visible"/>
+                                      </p:to>
+                                    </p:set>
+                                    <p:animEffect transition="in" filter="blinds(horizontal)">
+                                      <p:cBhvr>
+                                        <p:cTn id="34" dur="500"/>
+                                        <p:tgtEl>
+                                          <p:spTgt spid="25"/>
+                                        </p:tgtEl>
+                                      </p:cBhvr>
+                                    </p:animEffect>
+                                  </p:childTnLst>
+                                </p:cTn>
+                              </p:par>
+                              <p:par>
+                                <p:cTn id="35" presetID="3" presetClass="entr" presetSubtype="10" fill="hold" grpId="0" nodeType="withEffect">
+                                  <p:stCondLst>
+                                    <p:cond delay="0"/>
+                                  </p:stCondLst>
+                                  <p:childTnLst>
+                                    <p:set>
+                                      <p:cBhvr>
+                                        <p:cTn id="36" dur="1" fill="hold">
+                                          <p:stCondLst>
+                                            <p:cond delay="0"/>
+                                          </p:stCondLst>
+                                        </p:cTn>
+                                        <p:tgtEl>
+                                          <p:spTgt spid="8"/>
+                                        </p:tgtEl>
+                                        <p:attrNameLst>
+                                          <p:attrName>style.visibility</p:attrName>
+                                        </p:attrNameLst>
+                                      </p:cBhvr>
+                                      <p:to>
+                                        <p:strVal val="visible"/>
+                                      </p:to>
+                                    </p:set>
+                                    <p:animEffect transition="in" filter="blinds(horizontal)">
+                                      <p:cBhvr>
+                                        <p:cTn id="37" dur="500"/>
+                                        <p:tgtEl>
                                           <p:spTgt spid="8"/>
                                         </p:tgtEl>
                                       </p:cBhvr>
@@ -12794,14 +12985,14 @@
                                 </p:cTn>
                               </p:par>
                               <p:par>
-                                <p:cTn id="30" presetID="3" presetClass="entr" presetSubtype="10" fill="hold" nodeType="withEffect">
+                                <p:cTn id="38" presetID="3" presetClass="entr" presetSubtype="10" fill="hold" nodeType="withEffect">
                                   <p:stCondLst>
                                     <p:cond delay="0"/>
                                   </p:stCondLst>
                                   <p:childTnLst>
                                     <p:set>
                                       <p:cBhvr>
-                                        <p:cTn id="31" dur="1" fill="hold">
+                                        <p:cTn id="39" dur="1" fill="hold">
                                           <p:stCondLst>
                                             <p:cond delay="0"/>
                                           </p:stCondLst>
@@ -12819,7 +13010,7 @@
                                     </p:set>
                                     <p:animEffect transition="in" filter="blinds(horizontal)">
                                       <p:cBhvr>
-                                        <p:cTn id="32" dur="500"/>
+                                        <p:cTn id="40" dur="500"/>
                                         <p:tgtEl>
                                           <p:spTgt spid="28"/>
                                         </p:tgtEl>
@@ -12829,14 +13020,14 @@
                                 </p:cTn>
                               </p:par>
                               <p:par>
-                                <p:cTn id="33" presetID="3" presetClass="entr" presetSubtype="10" fill="hold" grpId="0" nodeType="withEffect">
+                                <p:cTn id="41" presetID="3" presetClass="entr" presetSubtype="10" fill="hold" grpId="0" nodeType="withEffect">
                                   <p:stCondLst>
                                     <p:cond delay="0"/>
                                   </p:stCondLst>
                                   <p:childTnLst>
                                     <p:set>
                                       <p:cBhvr>
-                                        <p:cTn id="34" dur="1" fill="hold">
+                                        <p:cTn id="42" dur="1" fill="hold">
                                           <p:stCondLst>
                                             <p:cond delay="0"/>
                                           </p:stCondLst>
@@ -12854,7 +13045,7 @@
                                     </p:set>
                                     <p:animEffect transition="in" filter="blinds(horizontal)">
                                       <p:cBhvr>
-                                        <p:cTn id="35" dur="500"/>
+                                        <p:cTn id="43" dur="500"/>
                                         <p:tgtEl>
                                           <p:spTgt spid="9"/>
                                         </p:tgtEl>
@@ -12870,26 +13061,26 @@
                     </p:cTn>
                   </p:par>
                   <p:par>
-                    <p:cTn id="36" fill="hold">
+                    <p:cTn id="44" fill="hold">
                       <p:stCondLst>
                         <p:cond delay="indefinite"/>
                       </p:stCondLst>
                       <p:childTnLst>
                         <p:par>
-                          <p:cTn id="37" fill="hold">
+                          <p:cTn id="45" fill="hold">
                             <p:stCondLst>
                               <p:cond delay="0"/>
                             </p:stCondLst>
                             <p:childTnLst>
                               <p:par>
-                                <p:cTn id="38" presetID="3" presetClass="entr" presetSubtype="10" fill="hold" nodeType="clickEffect">
+                                <p:cTn id="46" presetID="3" presetClass="entr" presetSubtype="10" fill="hold" nodeType="clickEffect">
                                   <p:stCondLst>
                                     <p:cond delay="0"/>
                                   </p:stCondLst>
                                   <p:childTnLst>
                                     <p:set>
                                       <p:cBhvr>
-                                        <p:cTn id="39" dur="1" fill="hold">
+                                        <p:cTn id="47" dur="1" fill="hold">
                                           <p:stCondLst>
                                             <p:cond delay="0"/>
                                           </p:stCondLst>
@@ -12907,7 +13098,7 @@
                                     </p:set>
                                     <p:animEffect transition="in" filter="blinds(horizontal)">
                                       <p:cBhvr>
-                                        <p:cTn id="40" dur="500"/>
+                                        <p:cTn id="48" dur="500"/>
                                         <p:tgtEl>
                                           <p:spTgt spid="21"/>
                                         </p:tgtEl>
@@ -12917,14 +13108,14 @@
                                 </p:cTn>
                               </p:par>
                               <p:par>
-                                <p:cTn id="41" presetID="3" presetClass="entr" presetSubtype="10" fill="hold" nodeType="withEffect">
+                                <p:cTn id="49" presetID="3" presetClass="entr" presetSubtype="10" fill="hold" nodeType="withEffect">
                                   <p:stCondLst>
                                     <p:cond delay="0"/>
                                   </p:stCondLst>
                                   <p:childTnLst>
                                     <p:set>
                                       <p:cBhvr>
-                                        <p:cTn id="42" dur="1" fill="hold">
+                                        <p:cTn id="50" dur="1" fill="hold">
                                           <p:stCondLst>
                                             <p:cond delay="0"/>
                                           </p:stCondLst>
@@ -12942,97 +13133,9 @@
                                     </p:set>
                                     <p:animEffect transition="in" filter="blinds(horizontal)">
                                       <p:cBhvr>
-                                        <p:cTn id="43" dur="500"/>
+                                        <p:cTn id="51" dur="500"/>
                                         <p:tgtEl>
                                           <p:spTgt spid="31"/>
-                                        </p:tgtEl>
-                                      </p:cBhvr>
-                                    </p:animEffect>
-                                  </p:childTnLst>
-                                </p:cTn>
-                              </p:par>
-                              <p:par>
-                                <p:cTn id="44" presetID="3" presetClass="entr" presetSubtype="10" fill="hold" grpId="0" nodeType="withEffect">
-                                  <p:stCondLst>
-                                    <p:cond delay="0"/>
-                                  </p:stCondLst>
-                                  <p:childTnLst>
-                                    <p:set>
-                                      <p:cBhvr>
-                                        <p:cTn id="45" dur="1" fill="hold">
-                                          <p:stCondLst>
-                                            <p:cond delay="0"/>
-                                          </p:stCondLst>
-                                        </p:cTn>
-                                        <p:tgtEl>
-                                          <p:spTgt spid="10"/>
-                                        </p:tgtEl>
-                                        <p:attrNameLst>
-                                          <p:attrName>style.visibility</p:attrName>
-                                        </p:attrNameLst>
-                                      </p:cBhvr>
-                                      <p:to>
-                                        <p:strVal val="visible"/>
-                                      </p:to>
-                                    </p:set>
-                                    <p:animEffect transition="in" filter="blinds(horizontal)">
-                                      <p:cBhvr>
-                                        <p:cTn id="46" dur="500"/>
-                                        <p:tgtEl>
-                                          <p:spTgt spid="10"/>
-                                        </p:tgtEl>
-                                      </p:cBhvr>
-                                    </p:animEffect>
-                                  </p:childTnLst>
-                                </p:cTn>
-                              </p:par>
-                            </p:childTnLst>
-                          </p:cTn>
-                        </p:par>
-                      </p:childTnLst>
-                    </p:cTn>
-                  </p:par>
-                  <p:par>
-                    <p:cTn id="47" fill="hold">
-                      <p:stCondLst>
-                        <p:cond delay="indefinite"/>
-                      </p:stCondLst>
-                      <p:childTnLst>
-                        <p:par>
-                          <p:cTn id="48" fill="hold">
-                            <p:stCondLst>
-                              <p:cond delay="0"/>
-                            </p:stCondLst>
-                            <p:childTnLst>
-                              <p:par>
-                                <p:cTn id="49" presetID="3" presetClass="entr" presetSubtype="10" fill="hold" nodeType="clickEffect">
-                                  <p:stCondLst>
-                                    <p:cond delay="0"/>
-                                  </p:stCondLst>
-                                  <p:childTnLst>
-                                    <p:set>
-                                      <p:cBhvr>
-                                        <p:cTn id="50" dur="1" fill="hold">
-                                          <p:stCondLst>
-                                            <p:cond delay="0"/>
-                                          </p:stCondLst>
-                                        </p:cTn>
-                                        <p:tgtEl>
-                                          <p:spTgt spid="34"/>
-                                        </p:tgtEl>
-                                        <p:attrNameLst>
-                                          <p:attrName>style.visibility</p:attrName>
-                                        </p:attrNameLst>
-                                      </p:cBhvr>
-                                      <p:to>
-                                        <p:strVal val="visible"/>
-                                      </p:to>
-                                    </p:set>
-                                    <p:animEffect transition="in" filter="blinds(horizontal)">
-                                      <p:cBhvr>
-                                        <p:cTn id="51" dur="500"/>
-                                        <p:tgtEl>
-                                          <p:spTgt spid="34"/>
                                         </p:tgtEl>
                                       </p:cBhvr>
                                     </p:animEffect>
@@ -13053,7 +13156,7 @@
                                           </p:stCondLst>
                                         </p:cTn>
                                         <p:tgtEl>
-                                          <p:spTgt spid="24"/>
+                                          <p:spTgt spid="10"/>
                                         </p:tgtEl>
                                         <p:attrNameLst>
                                           <p:attrName>style.visibility</p:attrName>
@@ -13067,7 +13170,7 @@
                                       <p:cBhvr>
                                         <p:cTn id="54" dur="500"/>
                                         <p:tgtEl>
-                                          <p:spTgt spid="24"/>
+                                          <p:spTgt spid="10"/>
                                         </p:tgtEl>
                                       </p:cBhvr>
                                     </p:animEffect>
@@ -13106,7 +13209,7 @@
                                           </p:stCondLst>
                                         </p:cTn>
                                         <p:tgtEl>
-                                          <p:spTgt spid="38"/>
+                                          <p:spTgt spid="34"/>
                                         </p:tgtEl>
                                         <p:attrNameLst>
                                           <p:attrName>style.visibility</p:attrName>
@@ -13120,7 +13223,7 @@
                                       <p:cBhvr>
                                         <p:cTn id="59" dur="500"/>
                                         <p:tgtEl>
-                                          <p:spTgt spid="38"/>
+                                          <p:spTgt spid="34"/>
                                         </p:tgtEl>
                                       </p:cBhvr>
                                     </p:animEffect>
@@ -13141,7 +13244,7 @@
                                           </p:stCondLst>
                                         </p:cTn>
                                         <p:tgtEl>
-                                          <p:spTgt spid="11"/>
+                                          <p:spTgt spid="24"/>
                                         </p:tgtEl>
                                         <p:attrNameLst>
                                           <p:attrName>style.visibility</p:attrName>
@@ -13155,7 +13258,7 @@
                                       <p:cBhvr>
                                         <p:cTn id="62" dur="500"/>
                                         <p:tgtEl>
-                                          <p:spTgt spid="11"/>
+                                          <p:spTgt spid="24"/>
                                         </p:tgtEl>
                                       </p:cBhvr>
                                     </p:animEffect>
@@ -13194,7 +13297,7 @@
                                           </p:stCondLst>
                                         </p:cTn>
                                         <p:tgtEl>
-                                          <p:spTgt spid="41"/>
+                                          <p:spTgt spid="38"/>
                                         </p:tgtEl>
                                         <p:attrNameLst>
                                           <p:attrName>style.visibility</p:attrName>
@@ -13208,7 +13311,7 @@
                                       <p:cBhvr>
                                         <p:cTn id="67" dur="500"/>
                                         <p:tgtEl>
-                                          <p:spTgt spid="41"/>
+                                          <p:spTgt spid="38"/>
                                         </p:tgtEl>
                                       </p:cBhvr>
                                     </p:animEffect>
@@ -13229,7 +13332,7 @@
                                           </p:stCondLst>
                                         </p:cTn>
                                         <p:tgtEl>
-                                          <p:spTgt spid="12"/>
+                                          <p:spTgt spid="11"/>
                                         </p:tgtEl>
                                         <p:attrNameLst>
                                           <p:attrName>style.visibility</p:attrName>
@@ -13243,7 +13346,7 @@
                                       <p:cBhvr>
                                         <p:cTn id="70" dur="500"/>
                                         <p:tgtEl>
-                                          <p:spTgt spid="12"/>
+                                          <p:spTgt spid="11"/>
                                         </p:tgtEl>
                                       </p:cBhvr>
                                     </p:animEffect>
@@ -13282,7 +13385,7 @@
                                           </p:stCondLst>
                                         </p:cTn>
                                         <p:tgtEl>
-                                          <p:spTgt spid="43"/>
+                                          <p:spTgt spid="41"/>
                                         </p:tgtEl>
                                         <p:attrNameLst>
                                           <p:attrName>style.visibility</p:attrName>
@@ -13296,7 +13399,7 @@
                                       <p:cBhvr>
                                         <p:cTn id="75" dur="500"/>
                                         <p:tgtEl>
-                                          <p:spTgt spid="43"/>
+                                          <p:spTgt spid="41"/>
                                         </p:tgtEl>
                                       </p:cBhvr>
                                     </p:animEffect>
@@ -13317,7 +13420,7 @@
                                           </p:stCondLst>
                                         </p:cTn>
                                         <p:tgtEl>
-                                          <p:spTgt spid="14"/>
+                                          <p:spTgt spid="12"/>
                                         </p:tgtEl>
                                         <p:attrNameLst>
                                           <p:attrName>style.visibility</p:attrName>
@@ -13331,7 +13434,7 @@
                                       <p:cBhvr>
                                         <p:cTn id="78" dur="500"/>
                                         <p:tgtEl>
-                                          <p:spTgt spid="14"/>
+                                          <p:spTgt spid="12"/>
                                         </p:tgtEl>
                                       </p:cBhvr>
                                     </p:animEffect>
@@ -13370,7 +13473,7 @@
                                           </p:stCondLst>
                                         </p:cTn>
                                         <p:tgtEl>
-                                          <p:spTgt spid="46"/>
+                                          <p:spTgt spid="43"/>
                                         </p:tgtEl>
                                         <p:attrNameLst>
                                           <p:attrName>style.visibility</p:attrName>
@@ -13384,7 +13487,7 @@
                                       <p:cBhvr>
                                         <p:cTn id="83" dur="500"/>
                                         <p:tgtEl>
-                                          <p:spTgt spid="46"/>
+                                          <p:spTgt spid="43"/>
                                         </p:tgtEl>
                                       </p:cBhvr>
                                     </p:animEffect>
@@ -13405,7 +13508,7 @@
                                           </p:stCondLst>
                                         </p:cTn>
                                         <p:tgtEl>
-                                          <p:spTgt spid="13"/>
+                                          <p:spTgt spid="14"/>
                                         </p:tgtEl>
                                         <p:attrNameLst>
                                           <p:attrName>style.visibility</p:attrName>
@@ -13419,7 +13522,7 @@
                                       <p:cBhvr>
                                         <p:cTn id="86" dur="500"/>
                                         <p:tgtEl>
-                                          <p:spTgt spid="13"/>
+                                          <p:spTgt spid="14"/>
                                         </p:tgtEl>
                                       </p:cBhvr>
                                     </p:animEffect>
@@ -13445,7 +13548,7 @@
                             </p:stCondLst>
                             <p:childTnLst>
                               <p:par>
-                                <p:cTn id="89" presetID="3" presetClass="entr" presetSubtype="10" fill="hold" grpId="0" nodeType="clickEffect">
+                                <p:cTn id="89" presetID="3" presetClass="entr" presetSubtype="10" fill="hold" nodeType="clickEffect">
                                   <p:stCondLst>
                                     <p:cond delay="0"/>
                                   </p:stCondLst>
@@ -13458,7 +13561,7 @@
                                           </p:stCondLst>
                                         </p:cTn>
                                         <p:tgtEl>
-                                          <p:spTgt spid="60"/>
+                                          <p:spTgt spid="46"/>
                                         </p:tgtEl>
                                         <p:attrNameLst>
                                           <p:attrName>style.visibility</p:attrName>
@@ -13472,7 +13575,7 @@
                                       <p:cBhvr>
                                         <p:cTn id="91" dur="500"/>
                                         <p:tgtEl>
-                                          <p:spTgt spid="60"/>
+                                          <p:spTgt spid="46"/>
                                         </p:tgtEl>
                                       </p:cBhvr>
                                     </p:animEffect>
@@ -13480,7 +13583,7 @@
                                 </p:cTn>
                               </p:par>
                               <p:par>
-                                <p:cTn id="92" presetID="3" presetClass="entr" presetSubtype="10" fill="hold" nodeType="withEffect">
+                                <p:cTn id="92" presetID="3" presetClass="entr" presetSubtype="10" fill="hold" grpId="0" nodeType="withEffect">
                                   <p:stCondLst>
                                     <p:cond delay="0"/>
                                   </p:stCondLst>
@@ -13493,7 +13596,7 @@
                                           </p:stCondLst>
                                         </p:cTn>
                                         <p:tgtEl>
-                                          <p:spTgt spid="59"/>
+                                          <p:spTgt spid="13"/>
                                         </p:tgtEl>
                                         <p:attrNameLst>
                                           <p:attrName>style.visibility</p:attrName>
@@ -13507,7 +13610,7 @@
                                       <p:cBhvr>
                                         <p:cTn id="94" dur="500"/>
                                         <p:tgtEl>
-                                          <p:spTgt spid="59"/>
+                                          <p:spTgt spid="13"/>
                                         </p:tgtEl>
                                       </p:cBhvr>
                                     </p:animEffect>
@@ -13533,7 +13636,7 @@
                             </p:stCondLst>
                             <p:childTnLst>
                               <p:par>
-                                <p:cTn id="97" presetID="3" presetClass="entr" presetSubtype="10" fill="hold" nodeType="clickEffect">
+                                <p:cTn id="97" presetID="3" presetClass="entr" presetSubtype="10" fill="hold" grpId="0" nodeType="clickEffect">
                                   <p:stCondLst>
                                     <p:cond delay="0"/>
                                   </p:stCondLst>
@@ -13541,6 +13644,94 @@
                                     <p:set>
                                       <p:cBhvr>
                                         <p:cTn id="98" dur="1" fill="hold">
+                                          <p:stCondLst>
+                                            <p:cond delay="0"/>
+                                          </p:stCondLst>
+                                        </p:cTn>
+                                        <p:tgtEl>
+                                          <p:spTgt spid="60"/>
+                                        </p:tgtEl>
+                                        <p:attrNameLst>
+                                          <p:attrName>style.visibility</p:attrName>
+                                        </p:attrNameLst>
+                                      </p:cBhvr>
+                                      <p:to>
+                                        <p:strVal val="visible"/>
+                                      </p:to>
+                                    </p:set>
+                                    <p:animEffect transition="in" filter="blinds(horizontal)">
+                                      <p:cBhvr>
+                                        <p:cTn id="99" dur="500"/>
+                                        <p:tgtEl>
+                                          <p:spTgt spid="60"/>
+                                        </p:tgtEl>
+                                      </p:cBhvr>
+                                    </p:animEffect>
+                                  </p:childTnLst>
+                                </p:cTn>
+                              </p:par>
+                              <p:par>
+                                <p:cTn id="100" presetID="3" presetClass="entr" presetSubtype="10" fill="hold" nodeType="withEffect">
+                                  <p:stCondLst>
+                                    <p:cond delay="0"/>
+                                  </p:stCondLst>
+                                  <p:childTnLst>
+                                    <p:set>
+                                      <p:cBhvr>
+                                        <p:cTn id="101" dur="1" fill="hold">
+                                          <p:stCondLst>
+                                            <p:cond delay="0"/>
+                                          </p:stCondLst>
+                                        </p:cTn>
+                                        <p:tgtEl>
+                                          <p:spTgt spid="59"/>
+                                        </p:tgtEl>
+                                        <p:attrNameLst>
+                                          <p:attrName>style.visibility</p:attrName>
+                                        </p:attrNameLst>
+                                      </p:cBhvr>
+                                      <p:to>
+                                        <p:strVal val="visible"/>
+                                      </p:to>
+                                    </p:set>
+                                    <p:animEffect transition="in" filter="blinds(horizontal)">
+                                      <p:cBhvr>
+                                        <p:cTn id="102" dur="500"/>
+                                        <p:tgtEl>
+                                          <p:spTgt spid="59"/>
+                                        </p:tgtEl>
+                                      </p:cBhvr>
+                                    </p:animEffect>
+                                  </p:childTnLst>
+                                </p:cTn>
+                              </p:par>
+                            </p:childTnLst>
+                          </p:cTn>
+                        </p:par>
+                      </p:childTnLst>
+                    </p:cTn>
+                  </p:par>
+                  <p:par>
+                    <p:cTn id="103" fill="hold">
+                      <p:stCondLst>
+                        <p:cond delay="indefinite"/>
+                      </p:stCondLst>
+                      <p:childTnLst>
+                        <p:par>
+                          <p:cTn id="104" fill="hold">
+                            <p:stCondLst>
+                              <p:cond delay="0"/>
+                            </p:stCondLst>
+                            <p:childTnLst>
+                              <p:par>
+                                <p:cTn id="105" presetID="3" presetClass="entr" presetSubtype="10" fill="hold" nodeType="clickEffect">
+                                  <p:stCondLst>
+                                    <p:cond delay="0"/>
+                                  </p:stCondLst>
+                                  <p:childTnLst>
+                                    <p:set>
+                                      <p:cBhvr>
+                                        <p:cTn id="106" dur="1" fill="hold">
                                           <p:stCondLst>
                                             <p:cond delay="0"/>
                                           </p:stCondLst>
@@ -13558,7 +13749,7 @@
                                     </p:set>
                                     <p:animEffect transition="in" filter="blinds(horizontal)">
                                       <p:cBhvr>
-                                        <p:cTn id="99" dur="500"/>
+                                        <p:cTn id="107" dur="500"/>
                                         <p:tgtEl>
                                           <p:spTgt spid="51"/>
                                         </p:tgtEl>
@@ -13568,14 +13759,14 @@
                                 </p:cTn>
                               </p:par>
                               <p:par>
-                                <p:cTn id="100" presetID="3" presetClass="entr" presetSubtype="10" fill="hold" grpId="0" nodeType="withEffect">
+                                <p:cTn id="108" presetID="3" presetClass="entr" presetSubtype="10" fill="hold" grpId="0" nodeType="withEffect">
                                   <p:stCondLst>
                                     <p:cond delay="0"/>
                                   </p:stCondLst>
                                   <p:childTnLst>
                                     <p:set>
                                       <p:cBhvr>
-                                        <p:cTn id="101" dur="1" fill="hold">
+                                        <p:cTn id="109" dur="1" fill="hold">
                                           <p:stCondLst>
                                             <p:cond delay="0"/>
                                           </p:stCondLst>
@@ -13593,97 +13784,9 @@
                                     </p:set>
                                     <p:animEffect transition="in" filter="blinds(horizontal)">
                                       <p:cBhvr>
-                                        <p:cTn id="102" dur="500"/>
+                                        <p:cTn id="110" dur="500"/>
                                         <p:tgtEl>
                                           <p:spTgt spid="61"/>
-                                        </p:tgtEl>
-                                      </p:cBhvr>
-                                    </p:animEffect>
-                                  </p:childTnLst>
-                                </p:cTn>
-                              </p:par>
-                              <p:par>
-                                <p:cTn id="103" presetID="3" presetClass="entr" presetSubtype="10" fill="hold" grpId="0" nodeType="withEffect">
-                                  <p:stCondLst>
-                                    <p:cond delay="0"/>
-                                  </p:stCondLst>
-                                  <p:childTnLst>
-                                    <p:set>
-                                      <p:cBhvr>
-                                        <p:cTn id="104" dur="1" fill="hold">
-                                          <p:stCondLst>
-                                            <p:cond delay="0"/>
-                                          </p:stCondLst>
-                                        </p:cTn>
-                                        <p:tgtEl>
-                                          <p:spTgt spid="15"/>
-                                        </p:tgtEl>
-                                        <p:attrNameLst>
-                                          <p:attrName>style.visibility</p:attrName>
-                                        </p:attrNameLst>
-                                      </p:cBhvr>
-                                      <p:to>
-                                        <p:strVal val="visible"/>
-                                      </p:to>
-                                    </p:set>
-                                    <p:animEffect transition="in" filter="blinds(horizontal)">
-                                      <p:cBhvr>
-                                        <p:cTn id="105" dur="500"/>
-                                        <p:tgtEl>
-                                          <p:spTgt spid="15"/>
-                                        </p:tgtEl>
-                                      </p:cBhvr>
-                                    </p:animEffect>
-                                  </p:childTnLst>
-                                </p:cTn>
-                              </p:par>
-                            </p:childTnLst>
-                          </p:cTn>
-                        </p:par>
-                      </p:childTnLst>
-                    </p:cTn>
-                  </p:par>
-                  <p:par>
-                    <p:cTn id="106" fill="hold">
-                      <p:stCondLst>
-                        <p:cond delay="indefinite"/>
-                      </p:stCondLst>
-                      <p:childTnLst>
-                        <p:par>
-                          <p:cTn id="107" fill="hold">
-                            <p:stCondLst>
-                              <p:cond delay="0"/>
-                            </p:stCondLst>
-                            <p:childTnLst>
-                              <p:par>
-                                <p:cTn id="108" presetID="3" presetClass="entr" presetSubtype="10" fill="hold" nodeType="clickEffect">
-                                  <p:stCondLst>
-                                    <p:cond delay="0"/>
-                                  </p:stCondLst>
-                                  <p:childTnLst>
-                                    <p:set>
-                                      <p:cBhvr>
-                                        <p:cTn id="109" dur="1" fill="hold">
-                                          <p:stCondLst>
-                                            <p:cond delay="0"/>
-                                          </p:stCondLst>
-                                        </p:cTn>
-                                        <p:tgtEl>
-                                          <p:spTgt spid="55"/>
-                                        </p:tgtEl>
-                                        <p:attrNameLst>
-                                          <p:attrName>style.visibility</p:attrName>
-                                        </p:attrNameLst>
-                                      </p:cBhvr>
-                                      <p:to>
-                                        <p:strVal val="visible"/>
-                                      </p:to>
-                                    </p:set>
-                                    <p:animEffect transition="in" filter="blinds(horizontal)">
-                                      <p:cBhvr>
-                                        <p:cTn id="110" dur="500"/>
-                                        <p:tgtEl>
-                                          <p:spTgt spid="55"/>
                                         </p:tgtEl>
                                       </p:cBhvr>
                                     </p:animEffect>
@@ -13704,6 +13807,94 @@
                                           </p:stCondLst>
                                         </p:cTn>
                                         <p:tgtEl>
+                                          <p:spTgt spid="15"/>
+                                        </p:tgtEl>
+                                        <p:attrNameLst>
+                                          <p:attrName>style.visibility</p:attrName>
+                                        </p:attrNameLst>
+                                      </p:cBhvr>
+                                      <p:to>
+                                        <p:strVal val="visible"/>
+                                      </p:to>
+                                    </p:set>
+                                    <p:animEffect transition="in" filter="blinds(horizontal)">
+                                      <p:cBhvr>
+                                        <p:cTn id="113" dur="500"/>
+                                        <p:tgtEl>
+                                          <p:spTgt spid="15"/>
+                                        </p:tgtEl>
+                                      </p:cBhvr>
+                                    </p:animEffect>
+                                  </p:childTnLst>
+                                </p:cTn>
+                              </p:par>
+                            </p:childTnLst>
+                          </p:cTn>
+                        </p:par>
+                      </p:childTnLst>
+                    </p:cTn>
+                  </p:par>
+                  <p:par>
+                    <p:cTn id="114" fill="hold">
+                      <p:stCondLst>
+                        <p:cond delay="indefinite"/>
+                      </p:stCondLst>
+                      <p:childTnLst>
+                        <p:par>
+                          <p:cTn id="115" fill="hold">
+                            <p:stCondLst>
+                              <p:cond delay="0"/>
+                            </p:stCondLst>
+                            <p:childTnLst>
+                              <p:par>
+                                <p:cTn id="116" presetID="3" presetClass="entr" presetSubtype="10" fill="hold" nodeType="clickEffect">
+                                  <p:stCondLst>
+                                    <p:cond delay="0"/>
+                                  </p:stCondLst>
+                                  <p:childTnLst>
+                                    <p:set>
+                                      <p:cBhvr>
+                                        <p:cTn id="117" dur="1" fill="hold">
+                                          <p:stCondLst>
+                                            <p:cond delay="0"/>
+                                          </p:stCondLst>
+                                        </p:cTn>
+                                        <p:tgtEl>
+                                          <p:spTgt spid="55"/>
+                                        </p:tgtEl>
+                                        <p:attrNameLst>
+                                          <p:attrName>style.visibility</p:attrName>
+                                        </p:attrNameLst>
+                                      </p:cBhvr>
+                                      <p:to>
+                                        <p:strVal val="visible"/>
+                                      </p:to>
+                                    </p:set>
+                                    <p:animEffect transition="in" filter="blinds(horizontal)">
+                                      <p:cBhvr>
+                                        <p:cTn id="118" dur="500"/>
+                                        <p:tgtEl>
+                                          <p:spTgt spid="55"/>
+                                        </p:tgtEl>
+                                      </p:cBhvr>
+                                    </p:animEffect>
+                                  </p:childTnLst>
+                                </p:cTn>
+                              </p:par>
+                              <p:par>
+                                <p:cTn id="119" presetID="3" presetClass="entr" presetSubtype="10" fill="hold" grpId="0" nodeType="withEffect">
+                                  <p:stCondLst>
+                                    <p:cond delay="0"/>
+                                  </p:stCondLst>
+                                  <p:childTnLst>
+                                    <p:set>
+                                      <p:cBhvr>
+                                        <p:cTn id="120" dur="1" fill="hold">
+                                          <p:stCondLst>
+                                            <p:cond delay="0"/>
+                                          </p:stCondLst>
+                                        </p:cTn>
+                                        <p:tgtEl>
                                           <p:spTgt spid="4"/>
                                         </p:tgtEl>
                                         <p:attrNameLst>
@@ -13716,7 +13907,7 @@
                                     </p:set>
                                     <p:animEffect transition="in" filter="blinds(horizontal)">
                                       <p:cBhvr>
-                                        <p:cTn id="113" dur="500"/>
+                                        <p:cTn id="121" dur="500"/>
                                         <p:tgtEl>
                                           <p:spTgt spid="4"/>
                                         </p:tgtEl>
@@ -13768,6 +13959,7 @@
       <p:bldP spid="24" grpId="0" animBg="1"/>
       <p:bldP spid="60" grpId="0"/>
       <p:bldP spid="61" grpId="0"/>
+      <p:bldP spid="32" grpId="0" animBg="1"/>
     </p:bldLst>
   </p:timing>
 </p:sld>

--- a/CX1003 Project.pptx
+++ b/CX1003 Project.pptx
@@ -1043,7 +1043,7 @@
 <dgm:dataModel xmlns:dgm="http://schemas.openxmlformats.org/drawingml/2006/diagram" xmlns:a="http://schemas.openxmlformats.org/drawingml/2006/main">
   <dgm:ptLst>
     <dgm:pt modelId="{5CAD5819-2142-40A1-AE4B-8FFDC6240CDA}" type="doc">
-      <dgm:prSet loTypeId="urn:microsoft.com/office/officeart/2018/5/layout/IconCircleLabelList" loCatId="icon" qsTypeId="urn:microsoft.com/office/officeart/2005/8/quickstyle/simple1" qsCatId="simple" csTypeId="urn:microsoft.com/office/officeart/2018/5/colors/Iconchunking_neutralicon_colorful1" csCatId="colorful" phldr="1"/>
+      <dgm:prSet loTypeId="urn:microsoft.com/office/officeart/2018/2/layout/IconCircleList" loCatId="icon" qsTypeId="urn:microsoft.com/office/officeart/2005/8/quickstyle/simple1" qsCatId="simple" csTypeId="urn:microsoft.com/office/officeart/2018/5/colors/Iconchunking_neutralicon_colorful1" csCatId="colorful" phldr="1"/>
       <dgm:spPr/>
       <dgm:t>
         <a:bodyPr/>
@@ -1064,32 +1064,25 @@
             <a:lnSpc>
               <a:spcPct val="100000"/>
             </a:lnSpc>
-            <a:defRPr cap="all"/>
           </a:pPr>
           <a:r>
-            <a:rPr kumimoji="1" lang="en-US" dirty="0"/>
+            <a:rPr kumimoji="1" lang="en-US"/>
             <a:t>Easily accessible online:</a:t>
           </a:r>
           <a:br>
-            <a:rPr kumimoji="1" lang="en-US" dirty="0"/>
+            <a:rPr kumimoji="1" lang="en-US"/>
           </a:br>
           <a:r>
-            <a:rPr kumimoji="1" lang="en-US" dirty="0"/>
+            <a:rPr kumimoji="1" lang="en-US"/>
             <a:t> </a:t>
           </a:r>
           <a:r>
             <a:rPr lang="en-US">
               <a:hlinkClick xmlns:r="http://schemas.openxmlformats.org/officeDocument/2006/relationships" r:id="rId1"/>
             </a:rPr>
-            <a:t>https://</a:t>
+            <a:t>https://proj.hyunatic.com/</a:t>
           </a:r>
-          <a:r>
-            <a:rPr lang="en-US" dirty="0">
-              <a:hlinkClick xmlns:r="http://schemas.openxmlformats.org/officeDocument/2006/relationships" r:id="rId1"/>
-            </a:rPr>
-            <a:t>proj.hyunatic.com/</a:t>
-          </a:r>
-          <a:endParaRPr lang="en-US" dirty="0"/>
+          <a:endParaRPr lang="en-US"/>
         </a:p>
       </dgm:t>
     </dgm:pt>
@@ -1111,6 +1104,11 @@
         <a:bodyPr/>
         <a:lstStyle/>
         <a:p>
+          <a:pPr>
+            <a:lnSpc>
+              <a:spcPct val="100000"/>
+            </a:lnSpc>
+          </a:pPr>
           <a:endParaRPr lang="en-US"/>
         </a:p>
       </dgm:t>
@@ -1126,7 +1124,6 @@
             <a:lnSpc>
               <a:spcPct val="100000"/>
             </a:lnSpc>
-            <a:defRPr cap="all"/>
           </a:pPr>
           <a:r>
             <a:rPr kumimoji="1" lang="en-US"/>
@@ -1154,6 +1151,11 @@
         <a:bodyPr/>
         <a:lstStyle/>
         <a:p>
+          <a:pPr>
+            <a:lnSpc>
+              <a:spcPct val="100000"/>
+            </a:lnSpc>
+          </a:pPr>
           <a:endParaRPr lang="en-US"/>
         </a:p>
       </dgm:t>
@@ -1169,7 +1171,6 @@
             <a:lnSpc>
               <a:spcPct val="100000"/>
             </a:lnSpc>
-            <a:defRPr cap="all"/>
           </a:pPr>
           <a:r>
             <a:rPr kumimoji="1" lang="en-US"/>
@@ -1197,6 +1198,11 @@
         <a:bodyPr/>
         <a:lstStyle/>
         <a:p>
+          <a:pPr>
+            <a:lnSpc>
+              <a:spcPct val="100000"/>
+            </a:lnSpc>
+          </a:pPr>
           <a:endParaRPr lang="en-US"/>
         </a:p>
       </dgm:t>
@@ -1212,7 +1218,6 @@
             <a:lnSpc>
               <a:spcPct val="100000"/>
             </a:lnSpc>
-            <a:defRPr cap="all"/>
           </a:pPr>
           <a:r>
             <a:rPr kumimoji="1" lang="en-US"/>
@@ -1240,6 +1245,11 @@
         <a:bodyPr/>
         <a:lstStyle/>
         <a:p>
+          <a:pPr>
+            <a:lnSpc>
+              <a:spcPct val="100000"/>
+            </a:lnSpc>
+          </a:pPr>
           <a:endParaRPr lang="en-US"/>
         </a:p>
       </dgm:t>
@@ -1255,13 +1265,12 @@
             <a:lnSpc>
               <a:spcPct val="100000"/>
             </a:lnSpc>
-            <a:defRPr cap="all"/>
           </a:pPr>
           <a:r>
-            <a:rPr kumimoji="1" lang="en-US" dirty="0"/>
+            <a:rPr kumimoji="1" lang="en-US"/>
             <a:t>Online Credit card payment</a:t>
           </a:r>
-          <a:endParaRPr lang="en-US" dirty="0"/>
+          <a:endParaRPr lang="en-US"/>
         </a:p>
       </dgm:t>
     </dgm:pt>
@@ -1283,6 +1292,11 @@
         <a:bodyPr/>
         <a:lstStyle/>
         <a:p>
+          <a:pPr>
+            <a:lnSpc>
+              <a:spcPct val="100000"/>
+            </a:lnSpc>
+          </a:pPr>
           <a:endParaRPr lang="en-US"/>
         </a:p>
       </dgm:t>
@@ -1298,21 +1312,12 @@
             <a:lnSpc>
               <a:spcPct val="100000"/>
             </a:lnSpc>
-            <a:defRPr cap="all"/>
           </a:pPr>
           <a:r>
-            <a:rPr lang="en-US" altLang="ko-KR" dirty="0"/>
-            <a:t>Live news from </a:t>
+            <a:rPr lang="en-US" altLang="ko-KR"/>
+            <a:t>Live news from ntu twitter</a:t>
           </a:r>
-          <a:r>
-            <a:rPr lang="en-US" altLang="ko-KR" dirty="0" err="1"/>
-            <a:t>ntu</a:t>
-          </a:r>
-          <a:r>
-            <a:rPr lang="en-US" altLang="ko-KR" dirty="0"/>
-            <a:t> twitter</a:t>
-          </a:r>
-          <a:endParaRPr lang="ko-KR" altLang="en-US" dirty="0"/>
+          <a:endParaRPr lang="ko-KR" altLang="en-US"/>
         </a:p>
       </dgm:t>
     </dgm:pt>
@@ -1340,7 +1345,7 @@
         </a:p>
       </dgm:t>
     </dgm:pt>
-    <dgm:pt modelId="{8F7AA466-A23F-413D-85D3-68EE98C58CEB}" type="pres">
+    <dgm:pt modelId="{AA214990-1BD9-4BCB-8282-9FBAF8AF9DCB}" type="pres">
       <dgm:prSet presAssocID="{5CAD5819-2142-40A1-AE4B-8FFDC6240CDA}" presName="root" presStyleCnt="0">
         <dgm:presLayoutVars>
           <dgm:dir/>
@@ -1349,15 +1354,24 @@
       </dgm:prSet>
       <dgm:spPr/>
     </dgm:pt>
-    <dgm:pt modelId="{A7C06149-42B6-4A2B-B599-26D9B0D9EE72}" type="pres">
+    <dgm:pt modelId="{77966C26-477D-4FD6-8505-03BE0EC5C98E}" type="pres">
+      <dgm:prSet presAssocID="{5CAD5819-2142-40A1-AE4B-8FFDC6240CDA}" presName="container" presStyleCnt="0">
+        <dgm:presLayoutVars>
+          <dgm:dir/>
+          <dgm:resizeHandles val="exact"/>
+        </dgm:presLayoutVars>
+      </dgm:prSet>
+      <dgm:spPr/>
+    </dgm:pt>
+    <dgm:pt modelId="{E67D9475-FC9F-40ED-A08D-D6EEB74AD5EE}" type="pres">
       <dgm:prSet presAssocID="{0A90D787-6284-4FC6-8F57-944BA9937A76}" presName="compNode" presStyleCnt="0"/>
       <dgm:spPr/>
     </dgm:pt>
-    <dgm:pt modelId="{00D7F874-A435-4DC3-82C8-F24CAD5E4E88}" type="pres">
+    <dgm:pt modelId="{235EAE5B-B5D7-4D21-9E2F-6D5A6E1C6FBB}" type="pres">
       <dgm:prSet presAssocID="{0A90D787-6284-4FC6-8F57-944BA9937A76}" presName="iconBgRect" presStyleLbl="bgShp" presStyleIdx="0" presStyleCnt="6"/>
       <dgm:spPr/>
     </dgm:pt>
-    <dgm:pt modelId="{FD3D933E-DDAF-47C8-9680-34842310471F}" type="pres">
+    <dgm:pt modelId="{D61FDA12-5D0C-4DD5-91AA-399A0875B9CC}" type="pres">
       <dgm:prSet presAssocID="{0A90D787-6284-4FC6-8F57-944BA9937A76}" presName="iconRect" presStyleLbl="node1" presStyleIdx="0" presStyleCnt="6"/>
       <dgm:spPr>
         <a:blipFill>
@@ -1385,11 +1399,11 @@
         </a:ext>
       </dgm:extLst>
     </dgm:pt>
-    <dgm:pt modelId="{EAF8B18B-5918-41AC-BA49-4FCEAAE1EE23}" type="pres">
+    <dgm:pt modelId="{24E8D08F-6878-41B5-AD02-C6C6F0835ADA}" type="pres">
       <dgm:prSet presAssocID="{0A90D787-6284-4FC6-8F57-944BA9937A76}" presName="spaceRect" presStyleCnt="0"/>
       <dgm:spPr/>
     </dgm:pt>
-    <dgm:pt modelId="{A7B7DA12-5BC1-43FF-B3E3-84EB611D4914}" type="pres">
+    <dgm:pt modelId="{D62FD104-102F-4BB0-8C23-8EFA4082E4E6}" type="pres">
       <dgm:prSet presAssocID="{0A90D787-6284-4FC6-8F57-944BA9937A76}" presName="textRect" presStyleLbl="revTx" presStyleIdx="0" presStyleCnt="6">
         <dgm:presLayoutVars>
           <dgm:chMax val="1"/>
@@ -1398,19 +1412,19 @@
       </dgm:prSet>
       <dgm:spPr/>
     </dgm:pt>
-    <dgm:pt modelId="{145DEEB5-9BAB-4A91-9D14-ED7987B7035F}" type="pres">
-      <dgm:prSet presAssocID="{FE7AD30E-F963-4337-BA87-33E6C988DBAE}" presName="sibTrans" presStyleCnt="0"/>
+    <dgm:pt modelId="{8CB80998-2859-486C-961C-3B11A2D7C2A6}" type="pres">
+      <dgm:prSet presAssocID="{FE7AD30E-F963-4337-BA87-33E6C988DBAE}" presName="sibTrans" presStyleLbl="sibTrans2D1" presStyleIdx="0" presStyleCnt="0"/>
       <dgm:spPr/>
     </dgm:pt>
-    <dgm:pt modelId="{A9C53934-5818-452E-86E9-AE73B926C7E5}" type="pres">
+    <dgm:pt modelId="{E560F361-62BC-40B0-BB0F-BA01047A38FA}" type="pres">
       <dgm:prSet presAssocID="{2B20FB75-C6DC-49F9-8679-D19F44B7060D}" presName="compNode" presStyleCnt="0"/>
       <dgm:spPr/>
     </dgm:pt>
-    <dgm:pt modelId="{B104725D-DACA-4028-AA00-083B940ED16B}" type="pres">
+    <dgm:pt modelId="{A716A12F-CF90-4116-B7B2-AA7B2587330C}" type="pres">
       <dgm:prSet presAssocID="{2B20FB75-C6DC-49F9-8679-D19F44B7060D}" presName="iconBgRect" presStyleLbl="bgShp" presStyleIdx="1" presStyleCnt="6"/>
       <dgm:spPr/>
     </dgm:pt>
-    <dgm:pt modelId="{59AC4D8A-F942-4A27-AC17-9E79A41F7892}" type="pres">
+    <dgm:pt modelId="{BEC15DE4-BBBB-44D5-9A8B-B65376C34156}" type="pres">
       <dgm:prSet presAssocID="{2B20FB75-C6DC-49F9-8679-D19F44B7060D}" presName="iconRect" presStyleLbl="node1" presStyleIdx="1" presStyleCnt="6"/>
       <dgm:spPr>
         <a:blipFill>
@@ -1438,11 +1452,11 @@
         </a:ext>
       </dgm:extLst>
     </dgm:pt>
-    <dgm:pt modelId="{6CFE874D-60FC-4E62-A2A7-0247943CFDA0}" type="pres">
+    <dgm:pt modelId="{9BB37EA6-46FE-443F-8F06-5046009EFA41}" type="pres">
       <dgm:prSet presAssocID="{2B20FB75-C6DC-49F9-8679-D19F44B7060D}" presName="spaceRect" presStyleCnt="0"/>
       <dgm:spPr/>
     </dgm:pt>
-    <dgm:pt modelId="{F57B2406-8695-42F1-ACDD-85451EF93C84}" type="pres">
+    <dgm:pt modelId="{B37B1E37-860C-47A5-9F70-350C59FCDB28}" type="pres">
       <dgm:prSet presAssocID="{2B20FB75-C6DC-49F9-8679-D19F44B7060D}" presName="textRect" presStyleLbl="revTx" presStyleIdx="1" presStyleCnt="6">
         <dgm:presLayoutVars>
           <dgm:chMax val="1"/>
@@ -1451,19 +1465,19 @@
       </dgm:prSet>
       <dgm:spPr/>
     </dgm:pt>
-    <dgm:pt modelId="{8512E67C-D6FA-4748-8F56-29D39829EE59}" type="pres">
-      <dgm:prSet presAssocID="{BE2B62E5-881F-44CB-AEDB-7DF6612D0570}" presName="sibTrans" presStyleCnt="0"/>
+    <dgm:pt modelId="{FFDB933A-7B73-48AE-A773-AF3DDD060865}" type="pres">
+      <dgm:prSet presAssocID="{BE2B62E5-881F-44CB-AEDB-7DF6612D0570}" presName="sibTrans" presStyleLbl="sibTrans2D1" presStyleIdx="0" presStyleCnt="0"/>
       <dgm:spPr/>
     </dgm:pt>
-    <dgm:pt modelId="{04963DAB-BC0E-4A50-B370-B6070272ABB0}" type="pres">
+    <dgm:pt modelId="{35362E24-FD63-4A9E-B2CF-D2080FE34D9F}" type="pres">
       <dgm:prSet presAssocID="{66DC8954-D6D2-42CC-8D4E-A9A7162FD927}" presName="compNode" presStyleCnt="0"/>
       <dgm:spPr/>
     </dgm:pt>
-    <dgm:pt modelId="{3101D66C-3D6A-4094-AE61-D97835794F3D}" type="pres">
+    <dgm:pt modelId="{1FD42F5D-6D0A-4EF5-B608-8959589EF232}" type="pres">
       <dgm:prSet presAssocID="{66DC8954-D6D2-42CC-8D4E-A9A7162FD927}" presName="iconBgRect" presStyleLbl="bgShp" presStyleIdx="2" presStyleCnt="6"/>
       <dgm:spPr/>
     </dgm:pt>
-    <dgm:pt modelId="{9295058A-AC28-41F2-A7D8-54574E3A976F}" type="pres">
+    <dgm:pt modelId="{BFF1B6C4-75F7-4749-88FE-2D0C63EA245F}" type="pres">
       <dgm:prSet presAssocID="{66DC8954-D6D2-42CC-8D4E-A9A7162FD927}" presName="iconRect" presStyleLbl="node1" presStyleIdx="2" presStyleCnt="6"/>
       <dgm:spPr>
         <a:blipFill>
@@ -1491,11 +1505,11 @@
         </a:ext>
       </dgm:extLst>
     </dgm:pt>
-    <dgm:pt modelId="{BAA150B0-EF56-4173-B683-1A615851A128}" type="pres">
+    <dgm:pt modelId="{0735018F-5B0E-4EF9-A0C4-1F406738BBE2}" type="pres">
       <dgm:prSet presAssocID="{66DC8954-D6D2-42CC-8D4E-A9A7162FD927}" presName="spaceRect" presStyleCnt="0"/>
       <dgm:spPr/>
     </dgm:pt>
-    <dgm:pt modelId="{1DE21A29-6867-46E3-8306-628294E892AF}" type="pres">
+    <dgm:pt modelId="{4D8A10CD-BC5E-433C-B57B-311BE694045B}" type="pres">
       <dgm:prSet presAssocID="{66DC8954-D6D2-42CC-8D4E-A9A7162FD927}" presName="textRect" presStyleLbl="revTx" presStyleIdx="2" presStyleCnt="6">
         <dgm:presLayoutVars>
           <dgm:chMax val="1"/>
@@ -1504,19 +1518,19 @@
       </dgm:prSet>
       <dgm:spPr/>
     </dgm:pt>
-    <dgm:pt modelId="{5BF19B1D-A91D-4DD0-97F9-4484FB66B6C2}" type="pres">
-      <dgm:prSet presAssocID="{C72A46E2-42D5-4672-BE31-C3AE0812A485}" presName="sibTrans" presStyleCnt="0"/>
+    <dgm:pt modelId="{FA8C0BFB-4457-4024-A753-94B55E1E8BE8}" type="pres">
+      <dgm:prSet presAssocID="{C72A46E2-42D5-4672-BE31-C3AE0812A485}" presName="sibTrans" presStyleLbl="sibTrans2D1" presStyleIdx="0" presStyleCnt="0"/>
       <dgm:spPr/>
     </dgm:pt>
-    <dgm:pt modelId="{5C3C2278-ED0C-46E5-BD90-C6452270E6D3}" type="pres">
+    <dgm:pt modelId="{27BCCEF7-1AB2-41D3-A978-29F84BD7A419}" type="pres">
       <dgm:prSet presAssocID="{6EA5D812-E574-4C58-A0C2-F9906D8AD1CB}" presName="compNode" presStyleCnt="0"/>
       <dgm:spPr/>
     </dgm:pt>
-    <dgm:pt modelId="{8C597919-A729-464F-A282-73EA95E947AB}" type="pres">
+    <dgm:pt modelId="{99BCB457-3578-42B3-A0CB-EE260F3766D3}" type="pres">
       <dgm:prSet presAssocID="{6EA5D812-E574-4C58-A0C2-F9906D8AD1CB}" presName="iconBgRect" presStyleLbl="bgShp" presStyleIdx="3" presStyleCnt="6"/>
       <dgm:spPr/>
     </dgm:pt>
-    <dgm:pt modelId="{1379F335-3A94-4AC7-B306-1693DB84B029}" type="pres">
+    <dgm:pt modelId="{B5A6A3C4-3F8F-4E80-A629-4F5CB94B019E}" type="pres">
       <dgm:prSet presAssocID="{6EA5D812-E574-4C58-A0C2-F9906D8AD1CB}" presName="iconRect" presStyleLbl="node1" presStyleIdx="3" presStyleCnt="6"/>
       <dgm:spPr>
         <a:blipFill>
@@ -1544,11 +1558,11 @@
         </a:ext>
       </dgm:extLst>
     </dgm:pt>
-    <dgm:pt modelId="{15014EF6-EA44-44C1-8C50-B5D6DF608AA9}" type="pres">
+    <dgm:pt modelId="{B2F83240-E65A-4123-A910-EC0E9DD0F994}" type="pres">
       <dgm:prSet presAssocID="{6EA5D812-E574-4C58-A0C2-F9906D8AD1CB}" presName="spaceRect" presStyleCnt="0"/>
       <dgm:spPr/>
     </dgm:pt>
-    <dgm:pt modelId="{872B27DB-7B26-4811-9D61-515F2BC24175}" type="pres">
+    <dgm:pt modelId="{AF7F822B-B774-45DE-995D-146C050825B2}" type="pres">
       <dgm:prSet presAssocID="{6EA5D812-E574-4C58-A0C2-F9906D8AD1CB}" presName="textRect" presStyleLbl="revTx" presStyleIdx="3" presStyleCnt="6">
         <dgm:presLayoutVars>
           <dgm:chMax val="1"/>
@@ -1557,19 +1571,19 @@
       </dgm:prSet>
       <dgm:spPr/>
     </dgm:pt>
-    <dgm:pt modelId="{D982FAD5-594F-4E86-BBD6-DBE359087549}" type="pres">
-      <dgm:prSet presAssocID="{BA746A9D-A1A9-44E1-BA67-D77C5C0720B7}" presName="sibTrans" presStyleCnt="0"/>
+    <dgm:pt modelId="{BD3C9A6F-9C76-459B-81E1-410D8E3F6D27}" type="pres">
+      <dgm:prSet presAssocID="{BA746A9D-A1A9-44E1-BA67-D77C5C0720B7}" presName="sibTrans" presStyleLbl="sibTrans2D1" presStyleIdx="0" presStyleCnt="0"/>
       <dgm:spPr/>
     </dgm:pt>
-    <dgm:pt modelId="{2040D3CA-4B73-4BDE-AFF7-921D97992F46}" type="pres">
+    <dgm:pt modelId="{E8D57C4A-AD52-4431-A892-20E9D5AC3A56}" type="pres">
       <dgm:prSet presAssocID="{6E02BF98-724B-427B-8B82-FA5DC1A20337}" presName="compNode" presStyleCnt="0"/>
       <dgm:spPr/>
     </dgm:pt>
-    <dgm:pt modelId="{33960868-877B-4D7C-9D04-E5F3BC5D0BC7}" type="pres">
+    <dgm:pt modelId="{FC48E905-6522-4661-8F14-2D9BB6F45ACC}" type="pres">
       <dgm:prSet presAssocID="{6E02BF98-724B-427B-8B82-FA5DC1A20337}" presName="iconBgRect" presStyleLbl="bgShp" presStyleIdx="4" presStyleCnt="6"/>
       <dgm:spPr/>
     </dgm:pt>
-    <dgm:pt modelId="{36E7CDEF-A603-41B9-8030-E89CBB5DD90F}" type="pres">
+    <dgm:pt modelId="{7B186C7E-1811-440D-9BB5-135460168AF0}" type="pres">
       <dgm:prSet presAssocID="{6E02BF98-724B-427B-8B82-FA5DC1A20337}" presName="iconRect" presStyleLbl="node1" presStyleIdx="4" presStyleCnt="6"/>
       <dgm:spPr>
         <a:blipFill>
@@ -1597,11 +1611,11 @@
         </a:ext>
       </dgm:extLst>
     </dgm:pt>
-    <dgm:pt modelId="{B3254958-0E3A-412B-81BE-23266C25F86C}" type="pres">
+    <dgm:pt modelId="{922D8798-19AA-495F-8D99-F14FD4EED2A0}" type="pres">
       <dgm:prSet presAssocID="{6E02BF98-724B-427B-8B82-FA5DC1A20337}" presName="spaceRect" presStyleCnt="0"/>
       <dgm:spPr/>
     </dgm:pt>
-    <dgm:pt modelId="{2798F7B4-51CE-46A5-9B9E-D84005488A5E}" type="pres">
+    <dgm:pt modelId="{4553BBE0-3616-496B-8848-5C8AE9881E0E}" type="pres">
       <dgm:prSet presAssocID="{6E02BF98-724B-427B-8B82-FA5DC1A20337}" presName="textRect" presStyleLbl="revTx" presStyleIdx="4" presStyleCnt="6">
         <dgm:presLayoutVars>
           <dgm:chMax val="1"/>
@@ -1610,19 +1624,19 @@
       </dgm:prSet>
       <dgm:spPr/>
     </dgm:pt>
-    <dgm:pt modelId="{9989CE0C-529F-E441-B14A-9F419AE6F4EE}" type="pres">
-      <dgm:prSet presAssocID="{B1821B88-EDF2-4A04-B026-F5E87352A160}" presName="sibTrans" presStyleCnt="0"/>
+    <dgm:pt modelId="{62974034-108D-479E-BE3B-46E99C53232A}" type="pres">
+      <dgm:prSet presAssocID="{B1821B88-EDF2-4A04-B026-F5E87352A160}" presName="sibTrans" presStyleLbl="sibTrans2D1" presStyleIdx="0" presStyleCnt="0"/>
       <dgm:spPr/>
     </dgm:pt>
-    <dgm:pt modelId="{30C7E69A-D44B-4A4E-BA8C-CA028CF6C67B}" type="pres">
+    <dgm:pt modelId="{3D6B0BBC-7B55-4F81-8FDB-FD07D0D78515}" type="pres">
       <dgm:prSet presAssocID="{3D2F1D13-85E8-3646-BB96-C928FE79F019}" presName="compNode" presStyleCnt="0"/>
       <dgm:spPr/>
     </dgm:pt>
-    <dgm:pt modelId="{47BA7453-0EEE-F74A-AACF-BAF0D9DA8C38}" type="pres">
+    <dgm:pt modelId="{5AE2D653-9F31-4A9B-8060-E9D5734ED84C}" type="pres">
       <dgm:prSet presAssocID="{3D2F1D13-85E8-3646-BB96-C928FE79F019}" presName="iconBgRect" presStyleLbl="bgShp" presStyleIdx="5" presStyleCnt="6"/>
       <dgm:spPr/>
     </dgm:pt>
-    <dgm:pt modelId="{916130BC-9D8D-534F-AD6A-E079922297FA}" type="pres">
+    <dgm:pt modelId="{78B1FE3E-6C93-4C6D-B1C7-894DD4E8541F}" type="pres">
       <dgm:prSet presAssocID="{3D2F1D13-85E8-3646-BB96-C928FE79F019}" presName="iconRect" presStyleLbl="node1" presStyleIdx="5" presStyleCnt="6"/>
       <dgm:spPr>
         <a:blipFill>
@@ -1631,20 +1645,30 @@
               <a:ext uri="{28A0092B-C50C-407E-A947-70E740481C1C}">
                 <a14:useLocalDpi xmlns:a14="http://schemas.microsoft.com/office/drawing/2010/main" val="0"/>
               </a:ext>
+              <a:ext uri="{96DAC541-7B7A-43D3-8B79-37D633B846F1}">
+                <asvg:svgBlip xmlns:asvg="http://schemas.microsoft.com/office/drawing/2016/SVG/main" r:embed="rId13"/>
+              </a:ext>
             </a:extLst>
           </a:blip>
-          <a:srcRect/>
           <a:stretch>
             <a:fillRect/>
           </a:stretch>
         </a:blipFill>
+        <a:ln>
+          <a:noFill/>
+        </a:ln>
       </dgm:spPr>
+      <dgm:extLst>
+        <a:ext uri="{E40237B7-FDA0-4F09-8148-C483321AD2D9}">
+          <dgm14:cNvPr xmlns:dgm14="http://schemas.microsoft.com/office/drawing/2010/diagram" id="0" name="" descr="Chat"/>
+        </a:ext>
+      </dgm:extLst>
     </dgm:pt>
-    <dgm:pt modelId="{F58FA259-9D9C-5745-B0F0-EF70B20F90BC}" type="pres">
+    <dgm:pt modelId="{A7BDBAB2-83B2-4A9C-A768-EFCB4A95A0AF}" type="pres">
       <dgm:prSet presAssocID="{3D2F1D13-85E8-3646-BB96-C928FE79F019}" presName="spaceRect" presStyleCnt="0"/>
       <dgm:spPr/>
     </dgm:pt>
-    <dgm:pt modelId="{B7FD7B42-C6E3-B941-9F7C-B8C527EF4F4D}" type="pres">
+    <dgm:pt modelId="{A0913CE1-D7B4-4187-AF6E-A44EC8C49FAE}" type="pres">
       <dgm:prSet presAssocID="{3D2F1D13-85E8-3646-BB96-C928FE79F019}" presName="textRect" presStyleLbl="revTx" presStyleIdx="5" presStyleCnt="6">
         <dgm:presLayoutVars>
           <dgm:chMax val="1"/>
@@ -1655,60 +1679,66 @@
     </dgm:pt>
   </dgm:ptLst>
   <dgm:cxnLst>
+    <dgm:cxn modelId="{4FAC5D04-F050-460F-8B54-EF76638F87C1}" type="presOf" srcId="{B1821B88-EDF2-4A04-B026-F5E87352A160}" destId="{62974034-108D-479E-BE3B-46E99C53232A}" srcOrd="0" destOrd="0" presId="urn:microsoft.com/office/officeart/2018/2/layout/IconCircleList"/>
     <dgm:cxn modelId="{E867AB10-DBAF-A84B-BF2F-118E8A392F37}" srcId="{5CAD5819-2142-40A1-AE4B-8FFDC6240CDA}" destId="{3D2F1D13-85E8-3646-BB96-C928FE79F019}" srcOrd="5" destOrd="0" parTransId="{74218C5B-C852-5F4B-8DD8-A8ADEB4FFACF}" sibTransId="{38D7E8F9-998D-C749-B059-0EAE5E8DE467}"/>
-    <dgm:cxn modelId="{6C36CA2F-6F49-D84E-87B5-73D9242843CE}" type="presOf" srcId="{3D2F1D13-85E8-3646-BB96-C928FE79F019}" destId="{B7FD7B42-C6E3-B941-9F7C-B8C527EF4F4D}" srcOrd="0" destOrd="0" presId="urn:microsoft.com/office/officeart/2018/5/layout/IconCircleLabelList"/>
-    <dgm:cxn modelId="{007E3B38-0B67-4546-B84A-CEEDA78BE3D3}" type="presOf" srcId="{6EA5D812-E574-4C58-A0C2-F9906D8AD1CB}" destId="{872B27DB-7B26-4811-9D61-515F2BC24175}" srcOrd="0" destOrd="0" presId="urn:microsoft.com/office/officeart/2018/5/layout/IconCircleLabelList"/>
+    <dgm:cxn modelId="{F4FD2B19-473F-4911-9B59-8769A1DC0D11}" type="presOf" srcId="{66DC8954-D6D2-42CC-8D4E-A9A7162FD927}" destId="{4D8A10CD-BC5E-433C-B57B-311BE694045B}" srcOrd="0" destOrd="0" presId="urn:microsoft.com/office/officeart/2018/2/layout/IconCircleList"/>
+    <dgm:cxn modelId="{F0FEC51A-F2FB-4B40-AFCE-5CD759854C38}" type="presOf" srcId="{6E02BF98-724B-427B-8B82-FA5DC1A20337}" destId="{4553BBE0-3616-496B-8848-5C8AE9881E0E}" srcOrd="0" destOrd="0" presId="urn:microsoft.com/office/officeart/2018/2/layout/IconCircleList"/>
+    <dgm:cxn modelId="{6C948527-56DB-42A8-9F06-7A0F98D82B03}" type="presOf" srcId="{5CAD5819-2142-40A1-AE4B-8FFDC6240CDA}" destId="{AA214990-1BD9-4BCB-8282-9FBAF8AF9DCB}" srcOrd="0" destOrd="0" presId="urn:microsoft.com/office/officeart/2018/2/layout/IconCircleList"/>
     <dgm:cxn modelId="{A8CC5B3D-7F4A-457C-9DF8-4ED1E6182A2E}" srcId="{5CAD5819-2142-40A1-AE4B-8FFDC6240CDA}" destId="{6EA5D812-E574-4C58-A0C2-F9906D8AD1CB}" srcOrd="3" destOrd="0" parTransId="{860DFDA5-264A-4C1A-81B4-7BC78906E4DC}" sibTransId="{BA746A9D-A1A9-44E1-BA67-D77C5C0720B7}"/>
-    <dgm:cxn modelId="{B9B2FA4A-A4BF-4274-835D-1B3300B28BE1}" type="presOf" srcId="{5CAD5819-2142-40A1-AE4B-8FFDC6240CDA}" destId="{8F7AA466-A23F-413D-85D3-68EE98C58CEB}" srcOrd="0" destOrd="0" presId="urn:microsoft.com/office/officeart/2018/5/layout/IconCircleLabelList"/>
+    <dgm:cxn modelId="{FAA80E5F-1F9C-48EC-A478-45046BBE6564}" type="presOf" srcId="{0A90D787-6284-4FC6-8F57-944BA9937A76}" destId="{D62FD104-102F-4BB0-8C23-8EFA4082E4E6}" srcOrd="0" destOrd="0" presId="urn:microsoft.com/office/officeart/2018/2/layout/IconCircleList"/>
+    <dgm:cxn modelId="{72DF6364-16AA-4B48-B856-8C7857A65BD3}" type="presOf" srcId="{C72A46E2-42D5-4672-BE31-C3AE0812A485}" destId="{FA8C0BFB-4457-4024-A753-94B55E1E8BE8}" srcOrd="0" destOrd="0" presId="urn:microsoft.com/office/officeart/2018/2/layout/IconCircleList"/>
     <dgm:cxn modelId="{837BBC4D-87B4-4D0E-B25C-9173629B2EBB}" srcId="{5CAD5819-2142-40A1-AE4B-8FFDC6240CDA}" destId="{2B20FB75-C6DC-49F9-8679-D19F44B7060D}" srcOrd="1" destOrd="0" parTransId="{26C482B6-725F-41CE-9A95-7E56E119D303}" sibTransId="{BE2B62E5-881F-44CB-AEDB-7DF6612D0570}"/>
-    <dgm:cxn modelId="{1EEF8E5A-74B1-7A47-BC67-36A8E18266BC}" type="presOf" srcId="{0A90D787-6284-4FC6-8F57-944BA9937A76}" destId="{A7B7DA12-5BC1-43FF-B3E3-84EB611D4914}" srcOrd="0" destOrd="0" presId="urn:microsoft.com/office/officeart/2018/5/layout/IconCircleLabelList"/>
-    <dgm:cxn modelId="{D1A2516B-23DE-8345-80DA-B0B147233132}" type="presOf" srcId="{2B20FB75-C6DC-49F9-8679-D19F44B7060D}" destId="{F57B2406-8695-42F1-ACDD-85451EF93C84}" srcOrd="0" destOrd="0" presId="urn:microsoft.com/office/officeart/2018/5/layout/IconCircleLabelList"/>
-    <dgm:cxn modelId="{E607FC95-0471-2141-8A7B-4C8153F244CB}" type="presOf" srcId="{6E02BF98-724B-427B-8B82-FA5DC1A20337}" destId="{2798F7B4-51CE-46A5-9B9E-D84005488A5E}" srcOrd="0" destOrd="0" presId="urn:microsoft.com/office/officeart/2018/5/layout/IconCircleLabelList"/>
+    <dgm:cxn modelId="{6AF1D66F-8EFE-4110-AC3C-BA7A914696C6}" type="presOf" srcId="{BA746A9D-A1A9-44E1-BA67-D77C5C0720B7}" destId="{BD3C9A6F-9C76-459B-81E1-410D8E3F6D27}" srcOrd="0" destOrd="0" presId="urn:microsoft.com/office/officeart/2018/2/layout/IconCircleList"/>
+    <dgm:cxn modelId="{E1A53C89-0DDD-403E-B763-2737EEE2EA34}" type="presOf" srcId="{BE2B62E5-881F-44CB-AEDB-7DF6612D0570}" destId="{FFDB933A-7B73-48AE-A773-AF3DDD060865}" srcOrd="0" destOrd="0" presId="urn:microsoft.com/office/officeart/2018/2/layout/IconCircleList"/>
+    <dgm:cxn modelId="{E4F6A18A-55B6-43A7-9BAA-1BA6E48D214C}" type="presOf" srcId="{2B20FB75-C6DC-49F9-8679-D19F44B7060D}" destId="{B37B1E37-860C-47A5-9F70-350C59FCDB28}" srcOrd="0" destOrd="0" presId="urn:microsoft.com/office/officeart/2018/2/layout/IconCircleList"/>
+    <dgm:cxn modelId="{6D5CEAA8-3FB5-45E8-AD35-A77A85EC8F99}" type="presOf" srcId="{FE7AD30E-F963-4337-BA87-33E6C988DBAE}" destId="{8CB80998-2859-486C-961C-3B11A2D7C2A6}" srcOrd="0" destOrd="0" presId="urn:microsoft.com/office/officeart/2018/2/layout/IconCircleList"/>
     <dgm:cxn modelId="{938E47AE-7369-4879-93CB-C05CFEB24DF1}" srcId="{5CAD5819-2142-40A1-AE4B-8FFDC6240CDA}" destId="{66DC8954-D6D2-42CC-8D4E-A9A7162FD927}" srcOrd="2" destOrd="0" parTransId="{6CE710F4-C1B7-4E8B-8B3B-E55FF547A7B2}" sibTransId="{C72A46E2-42D5-4672-BE31-C3AE0812A485}"/>
     <dgm:cxn modelId="{56DF79B7-548D-463F-BC14-F2F7C03E0BD6}" srcId="{5CAD5819-2142-40A1-AE4B-8FFDC6240CDA}" destId="{0A90D787-6284-4FC6-8F57-944BA9937A76}" srcOrd="0" destOrd="0" parTransId="{ADE9E008-216A-4722-A3CD-CA5459E8B494}" sibTransId="{FE7AD30E-F963-4337-BA87-33E6C988DBAE}"/>
+    <dgm:cxn modelId="{97FC53DA-A433-41E9-B095-B15C51A40938}" type="presOf" srcId="{6EA5D812-E574-4C58-A0C2-F9906D8AD1CB}" destId="{AF7F822B-B774-45DE-995D-146C050825B2}" srcOrd="0" destOrd="0" presId="urn:microsoft.com/office/officeart/2018/2/layout/IconCircleList"/>
     <dgm:cxn modelId="{575A3BE5-A99C-4CCB-97A6-72EBA568F55A}" srcId="{5CAD5819-2142-40A1-AE4B-8FFDC6240CDA}" destId="{6E02BF98-724B-427B-8B82-FA5DC1A20337}" srcOrd="4" destOrd="0" parTransId="{7746D7C5-C908-43D0-BAB7-7363EEEAA92D}" sibTransId="{B1821B88-EDF2-4A04-B026-F5E87352A160}"/>
-    <dgm:cxn modelId="{876221F7-D76D-9947-8DB2-8318D7216AD2}" type="presOf" srcId="{66DC8954-D6D2-42CC-8D4E-A9A7162FD927}" destId="{1DE21A29-6867-46E3-8306-628294E892AF}" srcOrd="0" destOrd="0" presId="urn:microsoft.com/office/officeart/2018/5/layout/IconCircleLabelList"/>
-    <dgm:cxn modelId="{0C2A78C5-5713-D344-8711-13C5AA242A3A}" type="presParOf" srcId="{8F7AA466-A23F-413D-85D3-68EE98C58CEB}" destId="{A7C06149-42B6-4A2B-B599-26D9B0D9EE72}" srcOrd="0" destOrd="0" presId="urn:microsoft.com/office/officeart/2018/5/layout/IconCircleLabelList"/>
-    <dgm:cxn modelId="{1551CEC2-7F10-A443-A6D1-BB49560F7E22}" type="presParOf" srcId="{A7C06149-42B6-4A2B-B599-26D9B0D9EE72}" destId="{00D7F874-A435-4DC3-82C8-F24CAD5E4E88}" srcOrd="0" destOrd="0" presId="urn:microsoft.com/office/officeart/2018/5/layout/IconCircleLabelList"/>
-    <dgm:cxn modelId="{9150A63E-4D78-154B-BE73-DF9E50FA8427}" type="presParOf" srcId="{A7C06149-42B6-4A2B-B599-26D9B0D9EE72}" destId="{FD3D933E-DDAF-47C8-9680-34842310471F}" srcOrd="1" destOrd="0" presId="urn:microsoft.com/office/officeart/2018/5/layout/IconCircleLabelList"/>
-    <dgm:cxn modelId="{7E354723-1D26-B247-818F-8F97699E8666}" type="presParOf" srcId="{A7C06149-42B6-4A2B-B599-26D9B0D9EE72}" destId="{EAF8B18B-5918-41AC-BA49-4FCEAAE1EE23}" srcOrd="2" destOrd="0" presId="urn:microsoft.com/office/officeart/2018/5/layout/IconCircleLabelList"/>
-    <dgm:cxn modelId="{BAF4E379-DF76-9D42-8AFA-55755CF12BE4}" type="presParOf" srcId="{A7C06149-42B6-4A2B-B599-26D9B0D9EE72}" destId="{A7B7DA12-5BC1-43FF-B3E3-84EB611D4914}" srcOrd="3" destOrd="0" presId="urn:microsoft.com/office/officeart/2018/5/layout/IconCircleLabelList"/>
-    <dgm:cxn modelId="{F3642514-719C-BC4E-BF74-CA331C6C76BA}" type="presParOf" srcId="{8F7AA466-A23F-413D-85D3-68EE98C58CEB}" destId="{145DEEB5-9BAB-4A91-9D14-ED7987B7035F}" srcOrd="1" destOrd="0" presId="urn:microsoft.com/office/officeart/2018/5/layout/IconCircleLabelList"/>
-    <dgm:cxn modelId="{25365B71-C35C-924F-9D16-E61104A26EE6}" type="presParOf" srcId="{8F7AA466-A23F-413D-85D3-68EE98C58CEB}" destId="{A9C53934-5818-452E-86E9-AE73B926C7E5}" srcOrd="2" destOrd="0" presId="urn:microsoft.com/office/officeart/2018/5/layout/IconCircleLabelList"/>
-    <dgm:cxn modelId="{F9236C9A-C719-2A46-9A90-6A08F1B5A499}" type="presParOf" srcId="{A9C53934-5818-452E-86E9-AE73B926C7E5}" destId="{B104725D-DACA-4028-AA00-083B940ED16B}" srcOrd="0" destOrd="0" presId="urn:microsoft.com/office/officeart/2018/5/layout/IconCircleLabelList"/>
-    <dgm:cxn modelId="{34C9892A-83B5-9741-92F8-E80BA1FC84E3}" type="presParOf" srcId="{A9C53934-5818-452E-86E9-AE73B926C7E5}" destId="{59AC4D8A-F942-4A27-AC17-9E79A41F7892}" srcOrd="1" destOrd="0" presId="urn:microsoft.com/office/officeart/2018/5/layout/IconCircleLabelList"/>
-    <dgm:cxn modelId="{7479B504-63DD-0F46-AD91-DF076E2854BD}" type="presParOf" srcId="{A9C53934-5818-452E-86E9-AE73B926C7E5}" destId="{6CFE874D-60FC-4E62-A2A7-0247943CFDA0}" srcOrd="2" destOrd="0" presId="urn:microsoft.com/office/officeart/2018/5/layout/IconCircleLabelList"/>
-    <dgm:cxn modelId="{6952D964-D452-DD47-86D9-FC829C51EAC0}" type="presParOf" srcId="{A9C53934-5818-452E-86E9-AE73B926C7E5}" destId="{F57B2406-8695-42F1-ACDD-85451EF93C84}" srcOrd="3" destOrd="0" presId="urn:microsoft.com/office/officeart/2018/5/layout/IconCircleLabelList"/>
-    <dgm:cxn modelId="{C0F133B7-34B2-FB4A-A127-1A3E2FF6C1D5}" type="presParOf" srcId="{8F7AA466-A23F-413D-85D3-68EE98C58CEB}" destId="{8512E67C-D6FA-4748-8F56-29D39829EE59}" srcOrd="3" destOrd="0" presId="urn:microsoft.com/office/officeart/2018/5/layout/IconCircleLabelList"/>
-    <dgm:cxn modelId="{B50D01D4-0A2B-C343-898B-BAC84D3874F2}" type="presParOf" srcId="{8F7AA466-A23F-413D-85D3-68EE98C58CEB}" destId="{04963DAB-BC0E-4A50-B370-B6070272ABB0}" srcOrd="4" destOrd="0" presId="urn:microsoft.com/office/officeart/2018/5/layout/IconCircleLabelList"/>
-    <dgm:cxn modelId="{C981666D-9983-A047-8184-7DA372EF469E}" type="presParOf" srcId="{04963DAB-BC0E-4A50-B370-B6070272ABB0}" destId="{3101D66C-3D6A-4094-AE61-D97835794F3D}" srcOrd="0" destOrd="0" presId="urn:microsoft.com/office/officeart/2018/5/layout/IconCircleLabelList"/>
-    <dgm:cxn modelId="{AD2CC7ED-D7D2-8041-A5A8-5FAB5865B788}" type="presParOf" srcId="{04963DAB-BC0E-4A50-B370-B6070272ABB0}" destId="{9295058A-AC28-41F2-A7D8-54574E3A976F}" srcOrd="1" destOrd="0" presId="urn:microsoft.com/office/officeart/2018/5/layout/IconCircleLabelList"/>
-    <dgm:cxn modelId="{A1267F5C-023B-3B48-B6A1-DA2DA201092F}" type="presParOf" srcId="{04963DAB-BC0E-4A50-B370-B6070272ABB0}" destId="{BAA150B0-EF56-4173-B683-1A615851A128}" srcOrd="2" destOrd="0" presId="urn:microsoft.com/office/officeart/2018/5/layout/IconCircleLabelList"/>
-    <dgm:cxn modelId="{1F4ED48D-4CE9-1F4B-BEC8-48196ABEED09}" type="presParOf" srcId="{04963DAB-BC0E-4A50-B370-B6070272ABB0}" destId="{1DE21A29-6867-46E3-8306-628294E892AF}" srcOrd="3" destOrd="0" presId="urn:microsoft.com/office/officeart/2018/5/layout/IconCircleLabelList"/>
-    <dgm:cxn modelId="{CCD76928-A94A-214E-9CF6-39FA480C511F}" type="presParOf" srcId="{8F7AA466-A23F-413D-85D3-68EE98C58CEB}" destId="{5BF19B1D-A91D-4DD0-97F9-4484FB66B6C2}" srcOrd="5" destOrd="0" presId="urn:microsoft.com/office/officeart/2018/5/layout/IconCircleLabelList"/>
-    <dgm:cxn modelId="{85D53EFC-C9DA-6642-B72A-210328F29B79}" type="presParOf" srcId="{8F7AA466-A23F-413D-85D3-68EE98C58CEB}" destId="{5C3C2278-ED0C-46E5-BD90-C6452270E6D3}" srcOrd="6" destOrd="0" presId="urn:microsoft.com/office/officeart/2018/5/layout/IconCircleLabelList"/>
-    <dgm:cxn modelId="{CB3B34B7-8C59-8546-A97F-AC269C6AAE7B}" type="presParOf" srcId="{5C3C2278-ED0C-46E5-BD90-C6452270E6D3}" destId="{8C597919-A729-464F-A282-73EA95E947AB}" srcOrd="0" destOrd="0" presId="urn:microsoft.com/office/officeart/2018/5/layout/IconCircleLabelList"/>
-    <dgm:cxn modelId="{76660D2A-68B6-484A-A1EB-9A5B023F57AC}" type="presParOf" srcId="{5C3C2278-ED0C-46E5-BD90-C6452270E6D3}" destId="{1379F335-3A94-4AC7-B306-1693DB84B029}" srcOrd="1" destOrd="0" presId="urn:microsoft.com/office/officeart/2018/5/layout/IconCircleLabelList"/>
-    <dgm:cxn modelId="{FC8E3F33-5ABE-3A4B-9F2B-185109205346}" type="presParOf" srcId="{5C3C2278-ED0C-46E5-BD90-C6452270E6D3}" destId="{15014EF6-EA44-44C1-8C50-B5D6DF608AA9}" srcOrd="2" destOrd="0" presId="urn:microsoft.com/office/officeart/2018/5/layout/IconCircleLabelList"/>
-    <dgm:cxn modelId="{46EDE7E6-73BE-9D40-ADC2-94680F17DAEB}" type="presParOf" srcId="{5C3C2278-ED0C-46E5-BD90-C6452270E6D3}" destId="{872B27DB-7B26-4811-9D61-515F2BC24175}" srcOrd="3" destOrd="0" presId="urn:microsoft.com/office/officeart/2018/5/layout/IconCircleLabelList"/>
-    <dgm:cxn modelId="{E3F2965F-877A-2348-92F5-8C4DCDED3F7E}" type="presParOf" srcId="{8F7AA466-A23F-413D-85D3-68EE98C58CEB}" destId="{D982FAD5-594F-4E86-BBD6-DBE359087549}" srcOrd="7" destOrd="0" presId="urn:microsoft.com/office/officeart/2018/5/layout/IconCircleLabelList"/>
-    <dgm:cxn modelId="{B29228F1-1848-BB44-B8F4-3157B5F7A123}" type="presParOf" srcId="{8F7AA466-A23F-413D-85D3-68EE98C58CEB}" destId="{2040D3CA-4B73-4BDE-AFF7-921D97992F46}" srcOrd="8" destOrd="0" presId="urn:microsoft.com/office/officeart/2018/5/layout/IconCircleLabelList"/>
-    <dgm:cxn modelId="{9DC8BD67-6CE4-EA41-9478-A98A2C14238A}" type="presParOf" srcId="{2040D3CA-4B73-4BDE-AFF7-921D97992F46}" destId="{33960868-877B-4D7C-9D04-E5F3BC5D0BC7}" srcOrd="0" destOrd="0" presId="urn:microsoft.com/office/officeart/2018/5/layout/IconCircleLabelList"/>
-    <dgm:cxn modelId="{97B27AF6-51E5-084A-9DCC-4D37859FFA2B}" type="presParOf" srcId="{2040D3CA-4B73-4BDE-AFF7-921D97992F46}" destId="{36E7CDEF-A603-41B9-8030-E89CBB5DD90F}" srcOrd="1" destOrd="0" presId="urn:microsoft.com/office/officeart/2018/5/layout/IconCircleLabelList"/>
-    <dgm:cxn modelId="{D77E7488-66A7-104D-9501-F0515C9A3C5A}" type="presParOf" srcId="{2040D3CA-4B73-4BDE-AFF7-921D97992F46}" destId="{B3254958-0E3A-412B-81BE-23266C25F86C}" srcOrd="2" destOrd="0" presId="urn:microsoft.com/office/officeart/2018/5/layout/IconCircleLabelList"/>
-    <dgm:cxn modelId="{91EDF2A1-9FB9-7F44-8F28-C2DF80EDB578}" type="presParOf" srcId="{2040D3CA-4B73-4BDE-AFF7-921D97992F46}" destId="{2798F7B4-51CE-46A5-9B9E-D84005488A5E}" srcOrd="3" destOrd="0" presId="urn:microsoft.com/office/officeart/2018/5/layout/IconCircleLabelList"/>
-    <dgm:cxn modelId="{F1B26D2B-E2DD-4146-AE4D-A54139CD5034}" type="presParOf" srcId="{8F7AA466-A23F-413D-85D3-68EE98C58CEB}" destId="{9989CE0C-529F-E441-B14A-9F419AE6F4EE}" srcOrd="9" destOrd="0" presId="urn:microsoft.com/office/officeart/2018/5/layout/IconCircleLabelList"/>
-    <dgm:cxn modelId="{9D185ABE-5E33-DF41-957A-11868E81E263}" type="presParOf" srcId="{8F7AA466-A23F-413D-85D3-68EE98C58CEB}" destId="{30C7E69A-D44B-4A4E-BA8C-CA028CF6C67B}" srcOrd="10" destOrd="0" presId="urn:microsoft.com/office/officeart/2018/5/layout/IconCircleLabelList"/>
-    <dgm:cxn modelId="{8C85B216-55B7-6D42-AEF7-F4735DBFF20C}" type="presParOf" srcId="{30C7E69A-D44B-4A4E-BA8C-CA028CF6C67B}" destId="{47BA7453-0EEE-F74A-AACF-BAF0D9DA8C38}" srcOrd="0" destOrd="0" presId="urn:microsoft.com/office/officeart/2018/5/layout/IconCircleLabelList"/>
-    <dgm:cxn modelId="{3460313F-E390-2244-A4FE-3A8277676745}" type="presParOf" srcId="{30C7E69A-D44B-4A4E-BA8C-CA028CF6C67B}" destId="{916130BC-9D8D-534F-AD6A-E079922297FA}" srcOrd="1" destOrd="0" presId="urn:microsoft.com/office/officeart/2018/5/layout/IconCircleLabelList"/>
-    <dgm:cxn modelId="{224373EB-F535-7342-A862-54BDB0E45A42}" type="presParOf" srcId="{30C7E69A-D44B-4A4E-BA8C-CA028CF6C67B}" destId="{F58FA259-9D9C-5745-B0F0-EF70B20F90BC}" srcOrd="2" destOrd="0" presId="urn:microsoft.com/office/officeart/2018/5/layout/IconCircleLabelList"/>
-    <dgm:cxn modelId="{D93DB58F-86AE-A049-8C4B-9A5C671ECE12}" type="presParOf" srcId="{30C7E69A-D44B-4A4E-BA8C-CA028CF6C67B}" destId="{B7FD7B42-C6E3-B941-9F7C-B8C527EF4F4D}" srcOrd="3" destOrd="0" presId="urn:microsoft.com/office/officeart/2018/5/layout/IconCircleLabelList"/>
+    <dgm:cxn modelId="{DB6C57E9-1975-4674-8393-128FBD8F40EE}" type="presOf" srcId="{3D2F1D13-85E8-3646-BB96-C928FE79F019}" destId="{A0913CE1-D7B4-4187-AF6E-A44EC8C49FAE}" srcOrd="0" destOrd="0" presId="urn:microsoft.com/office/officeart/2018/2/layout/IconCircleList"/>
+    <dgm:cxn modelId="{4839CB6D-3EA4-45AA-8926-BA5F08563812}" type="presParOf" srcId="{AA214990-1BD9-4BCB-8282-9FBAF8AF9DCB}" destId="{77966C26-477D-4FD6-8505-03BE0EC5C98E}" srcOrd="0" destOrd="0" presId="urn:microsoft.com/office/officeart/2018/2/layout/IconCircleList"/>
+    <dgm:cxn modelId="{5448769F-B56D-46FB-B4A1-7CEAC51E97E8}" type="presParOf" srcId="{77966C26-477D-4FD6-8505-03BE0EC5C98E}" destId="{E67D9475-FC9F-40ED-A08D-D6EEB74AD5EE}" srcOrd="0" destOrd="0" presId="urn:microsoft.com/office/officeart/2018/2/layout/IconCircleList"/>
+    <dgm:cxn modelId="{A94B89BE-7C79-4E35-8141-8B38E1F20A46}" type="presParOf" srcId="{E67D9475-FC9F-40ED-A08D-D6EEB74AD5EE}" destId="{235EAE5B-B5D7-4D21-9E2F-6D5A6E1C6FBB}" srcOrd="0" destOrd="0" presId="urn:microsoft.com/office/officeart/2018/2/layout/IconCircleList"/>
+    <dgm:cxn modelId="{C3FB4DE9-9E60-4C55-8046-8996EBAC0519}" type="presParOf" srcId="{E67D9475-FC9F-40ED-A08D-D6EEB74AD5EE}" destId="{D61FDA12-5D0C-4DD5-91AA-399A0875B9CC}" srcOrd="1" destOrd="0" presId="urn:microsoft.com/office/officeart/2018/2/layout/IconCircleList"/>
+    <dgm:cxn modelId="{1110A162-FB9B-4C25-836A-13ECF20BDBB5}" type="presParOf" srcId="{E67D9475-FC9F-40ED-A08D-D6EEB74AD5EE}" destId="{24E8D08F-6878-41B5-AD02-C6C6F0835ADA}" srcOrd="2" destOrd="0" presId="urn:microsoft.com/office/officeart/2018/2/layout/IconCircleList"/>
+    <dgm:cxn modelId="{C7783BD7-571B-4C93-A139-B53426947D18}" type="presParOf" srcId="{E67D9475-FC9F-40ED-A08D-D6EEB74AD5EE}" destId="{D62FD104-102F-4BB0-8C23-8EFA4082E4E6}" srcOrd="3" destOrd="0" presId="urn:microsoft.com/office/officeart/2018/2/layout/IconCircleList"/>
+    <dgm:cxn modelId="{204851C7-974C-4980-8DC9-B73E2D9C921A}" type="presParOf" srcId="{77966C26-477D-4FD6-8505-03BE0EC5C98E}" destId="{8CB80998-2859-486C-961C-3B11A2D7C2A6}" srcOrd="1" destOrd="0" presId="urn:microsoft.com/office/officeart/2018/2/layout/IconCircleList"/>
+    <dgm:cxn modelId="{CF108E8B-9323-433B-86C3-7B10606F9E58}" type="presParOf" srcId="{77966C26-477D-4FD6-8505-03BE0EC5C98E}" destId="{E560F361-62BC-40B0-BB0F-BA01047A38FA}" srcOrd="2" destOrd="0" presId="urn:microsoft.com/office/officeart/2018/2/layout/IconCircleList"/>
+    <dgm:cxn modelId="{D84E88BF-4EB0-414F-8C2C-6696089294E9}" type="presParOf" srcId="{E560F361-62BC-40B0-BB0F-BA01047A38FA}" destId="{A716A12F-CF90-4116-B7B2-AA7B2587330C}" srcOrd="0" destOrd="0" presId="urn:microsoft.com/office/officeart/2018/2/layout/IconCircleList"/>
+    <dgm:cxn modelId="{776835E5-536F-4AA5-B553-5F9FB2FE8DD3}" type="presParOf" srcId="{E560F361-62BC-40B0-BB0F-BA01047A38FA}" destId="{BEC15DE4-BBBB-44D5-9A8B-B65376C34156}" srcOrd="1" destOrd="0" presId="urn:microsoft.com/office/officeart/2018/2/layout/IconCircleList"/>
+    <dgm:cxn modelId="{5579B604-E67D-4E6F-B399-49A6B6A4A4E4}" type="presParOf" srcId="{E560F361-62BC-40B0-BB0F-BA01047A38FA}" destId="{9BB37EA6-46FE-443F-8F06-5046009EFA41}" srcOrd="2" destOrd="0" presId="urn:microsoft.com/office/officeart/2018/2/layout/IconCircleList"/>
+    <dgm:cxn modelId="{B5A5CA85-7EA7-4C5A-8AAA-34D2EAAA6CB2}" type="presParOf" srcId="{E560F361-62BC-40B0-BB0F-BA01047A38FA}" destId="{B37B1E37-860C-47A5-9F70-350C59FCDB28}" srcOrd="3" destOrd="0" presId="urn:microsoft.com/office/officeart/2018/2/layout/IconCircleList"/>
+    <dgm:cxn modelId="{9CF417D1-E2B1-477C-83C3-3C52259815A4}" type="presParOf" srcId="{77966C26-477D-4FD6-8505-03BE0EC5C98E}" destId="{FFDB933A-7B73-48AE-A773-AF3DDD060865}" srcOrd="3" destOrd="0" presId="urn:microsoft.com/office/officeart/2018/2/layout/IconCircleList"/>
+    <dgm:cxn modelId="{F6D60B4F-9D05-4F18-A43E-110C65F50A73}" type="presParOf" srcId="{77966C26-477D-4FD6-8505-03BE0EC5C98E}" destId="{35362E24-FD63-4A9E-B2CF-D2080FE34D9F}" srcOrd="4" destOrd="0" presId="urn:microsoft.com/office/officeart/2018/2/layout/IconCircleList"/>
+    <dgm:cxn modelId="{2D5247A9-7A5C-4DAE-BDE3-D868E78420A7}" type="presParOf" srcId="{35362E24-FD63-4A9E-B2CF-D2080FE34D9F}" destId="{1FD42F5D-6D0A-4EF5-B608-8959589EF232}" srcOrd="0" destOrd="0" presId="urn:microsoft.com/office/officeart/2018/2/layout/IconCircleList"/>
+    <dgm:cxn modelId="{A7AB984C-A39E-469F-BE84-539501D141E9}" type="presParOf" srcId="{35362E24-FD63-4A9E-B2CF-D2080FE34D9F}" destId="{BFF1B6C4-75F7-4749-88FE-2D0C63EA245F}" srcOrd="1" destOrd="0" presId="urn:microsoft.com/office/officeart/2018/2/layout/IconCircleList"/>
+    <dgm:cxn modelId="{48FA8CB7-808E-447F-8DC2-5152AFD3BEF6}" type="presParOf" srcId="{35362E24-FD63-4A9E-B2CF-D2080FE34D9F}" destId="{0735018F-5B0E-4EF9-A0C4-1F406738BBE2}" srcOrd="2" destOrd="0" presId="urn:microsoft.com/office/officeart/2018/2/layout/IconCircleList"/>
+    <dgm:cxn modelId="{CE9503FB-60AE-49AA-A7AE-CD3A67CB5185}" type="presParOf" srcId="{35362E24-FD63-4A9E-B2CF-D2080FE34D9F}" destId="{4D8A10CD-BC5E-433C-B57B-311BE694045B}" srcOrd="3" destOrd="0" presId="urn:microsoft.com/office/officeart/2018/2/layout/IconCircleList"/>
+    <dgm:cxn modelId="{6B2F8FC3-82CD-478A-A44B-013A99698E48}" type="presParOf" srcId="{77966C26-477D-4FD6-8505-03BE0EC5C98E}" destId="{FA8C0BFB-4457-4024-A753-94B55E1E8BE8}" srcOrd="5" destOrd="0" presId="urn:microsoft.com/office/officeart/2018/2/layout/IconCircleList"/>
+    <dgm:cxn modelId="{788C8FA4-F7DE-4394-972D-E0FB33C20BAD}" type="presParOf" srcId="{77966C26-477D-4FD6-8505-03BE0EC5C98E}" destId="{27BCCEF7-1AB2-41D3-A978-29F84BD7A419}" srcOrd="6" destOrd="0" presId="urn:microsoft.com/office/officeart/2018/2/layout/IconCircleList"/>
+    <dgm:cxn modelId="{38229793-85CD-4AE3-A35C-1B4858634D42}" type="presParOf" srcId="{27BCCEF7-1AB2-41D3-A978-29F84BD7A419}" destId="{99BCB457-3578-42B3-A0CB-EE260F3766D3}" srcOrd="0" destOrd="0" presId="urn:microsoft.com/office/officeart/2018/2/layout/IconCircleList"/>
+    <dgm:cxn modelId="{75901B76-E918-4B63-A446-068101617308}" type="presParOf" srcId="{27BCCEF7-1AB2-41D3-A978-29F84BD7A419}" destId="{B5A6A3C4-3F8F-4E80-A629-4F5CB94B019E}" srcOrd="1" destOrd="0" presId="urn:microsoft.com/office/officeart/2018/2/layout/IconCircleList"/>
+    <dgm:cxn modelId="{35ADC217-4072-4322-BA56-C28FEEF49B22}" type="presParOf" srcId="{27BCCEF7-1AB2-41D3-A978-29F84BD7A419}" destId="{B2F83240-E65A-4123-A910-EC0E9DD0F994}" srcOrd="2" destOrd="0" presId="urn:microsoft.com/office/officeart/2018/2/layout/IconCircleList"/>
+    <dgm:cxn modelId="{3B16CCD6-9613-4123-8DB2-D275735B536F}" type="presParOf" srcId="{27BCCEF7-1AB2-41D3-A978-29F84BD7A419}" destId="{AF7F822B-B774-45DE-995D-146C050825B2}" srcOrd="3" destOrd="0" presId="urn:microsoft.com/office/officeart/2018/2/layout/IconCircleList"/>
+    <dgm:cxn modelId="{CC299109-718C-44B1-AB23-202C333E0412}" type="presParOf" srcId="{77966C26-477D-4FD6-8505-03BE0EC5C98E}" destId="{BD3C9A6F-9C76-459B-81E1-410D8E3F6D27}" srcOrd="7" destOrd="0" presId="urn:microsoft.com/office/officeart/2018/2/layout/IconCircleList"/>
+    <dgm:cxn modelId="{EC490110-7583-4A76-B41A-05E71BF91029}" type="presParOf" srcId="{77966C26-477D-4FD6-8505-03BE0EC5C98E}" destId="{E8D57C4A-AD52-4431-A892-20E9D5AC3A56}" srcOrd="8" destOrd="0" presId="urn:microsoft.com/office/officeart/2018/2/layout/IconCircleList"/>
+    <dgm:cxn modelId="{BC868A91-A580-4000-9B10-04FF9E6D1A9A}" type="presParOf" srcId="{E8D57C4A-AD52-4431-A892-20E9D5AC3A56}" destId="{FC48E905-6522-4661-8F14-2D9BB6F45ACC}" srcOrd="0" destOrd="0" presId="urn:microsoft.com/office/officeart/2018/2/layout/IconCircleList"/>
+    <dgm:cxn modelId="{C0A24810-41F4-4AD9-A229-16AE22EB4272}" type="presParOf" srcId="{E8D57C4A-AD52-4431-A892-20E9D5AC3A56}" destId="{7B186C7E-1811-440D-9BB5-135460168AF0}" srcOrd="1" destOrd="0" presId="urn:microsoft.com/office/officeart/2018/2/layout/IconCircleList"/>
+    <dgm:cxn modelId="{FE4EE289-854D-4B4E-B948-0B0D89552DAD}" type="presParOf" srcId="{E8D57C4A-AD52-4431-A892-20E9D5AC3A56}" destId="{922D8798-19AA-495F-8D99-F14FD4EED2A0}" srcOrd="2" destOrd="0" presId="urn:microsoft.com/office/officeart/2018/2/layout/IconCircleList"/>
+    <dgm:cxn modelId="{B94BC927-53A9-4CDA-9CFD-9F8378A9BE49}" type="presParOf" srcId="{E8D57C4A-AD52-4431-A892-20E9D5AC3A56}" destId="{4553BBE0-3616-496B-8848-5C8AE9881E0E}" srcOrd="3" destOrd="0" presId="urn:microsoft.com/office/officeart/2018/2/layout/IconCircleList"/>
+    <dgm:cxn modelId="{6D241163-1A83-42F4-A360-3378083FF5A4}" type="presParOf" srcId="{77966C26-477D-4FD6-8505-03BE0EC5C98E}" destId="{62974034-108D-479E-BE3B-46E99C53232A}" srcOrd="9" destOrd="0" presId="urn:microsoft.com/office/officeart/2018/2/layout/IconCircleList"/>
+    <dgm:cxn modelId="{C70DD7D7-949E-4DC1-A565-CECAEC7EB320}" type="presParOf" srcId="{77966C26-477D-4FD6-8505-03BE0EC5C98E}" destId="{3D6B0BBC-7B55-4F81-8FDB-FD07D0D78515}" srcOrd="10" destOrd="0" presId="urn:microsoft.com/office/officeart/2018/2/layout/IconCircleList"/>
+    <dgm:cxn modelId="{77921F52-12C8-4E05-8A6E-B3CBE4841445}" type="presParOf" srcId="{3D6B0BBC-7B55-4F81-8FDB-FD07D0D78515}" destId="{5AE2D653-9F31-4A9B-8060-E9D5734ED84C}" srcOrd="0" destOrd="0" presId="urn:microsoft.com/office/officeart/2018/2/layout/IconCircleList"/>
+    <dgm:cxn modelId="{96E24EEB-D029-4A7F-AFFC-1E5E2CB54200}" type="presParOf" srcId="{3D6B0BBC-7B55-4F81-8FDB-FD07D0D78515}" destId="{78B1FE3E-6C93-4C6D-B1C7-894DD4E8541F}" srcOrd="1" destOrd="0" presId="urn:microsoft.com/office/officeart/2018/2/layout/IconCircleList"/>
+    <dgm:cxn modelId="{F3035E05-9692-442F-8703-8B44290D442D}" type="presParOf" srcId="{3D6B0BBC-7B55-4F81-8FDB-FD07D0D78515}" destId="{A7BDBAB2-83B2-4A9C-A768-EFCB4A95A0AF}" srcOrd="2" destOrd="0" presId="urn:microsoft.com/office/officeart/2018/2/layout/IconCircleList"/>
+    <dgm:cxn modelId="{E0C9894C-1164-41A5-95DE-AECED72CBB4B}" type="presParOf" srcId="{3D6B0BBC-7B55-4F81-8FDB-FD07D0D78515}" destId="{A0913CE1-D7B4-4187-AF6E-A44EC8C49FAE}" srcOrd="3" destOrd="0" presId="urn:microsoft.com/office/officeart/2018/2/layout/IconCircleList"/>
   </dgm:cxnLst>
   <dgm:bg/>
   <dgm:whole/>
   <dgm:extLst>
     <a:ext uri="http://schemas.microsoft.com/office/drawing/2008/diagram">
-      <dsp:dataModelExt xmlns:dsp="http://schemas.microsoft.com/office/drawing/2008/diagram" relId="rId8" minVer="http://schemas.openxmlformats.org/drawingml/2006/diagram"/>
+      <dsp:dataModelExt xmlns:dsp="http://schemas.microsoft.com/office/drawing/2008/diagram" relId="rId6" minVer="http://schemas.openxmlformats.org/drawingml/2006/diagram"/>
     </a:ext>
   </dgm:extLst>
 </dgm:dataModel>
@@ -1722,15 +1752,15 @@
       <dsp:cNvGrpSpPr/>
     </dsp:nvGrpSpPr>
     <dsp:grpSpPr/>
-    <dsp:sp modelId="{00D7F874-A435-4DC3-82C8-F24CAD5E4E88}">
+    <dsp:sp modelId="{235EAE5B-B5D7-4D21-9E2F-6D5A6E1C6FBB}">
       <dsp:nvSpPr>
         <dsp:cNvPr id="0" name=""/>
         <dsp:cNvSpPr/>
       </dsp:nvSpPr>
       <dsp:spPr>
         <a:xfrm>
-          <a:off x="771343" y="2310"/>
-          <a:ext cx="1059398" cy="1059398"/>
+          <a:off x="37178" y="365150"/>
+          <a:ext cx="891912" cy="891912"/>
         </a:xfrm>
         <a:prstGeom prst="ellipse">
           <a:avLst/>
@@ -1761,15 +1791,15 @@
         <a:fontRef idx="minor"/>
       </dsp:style>
     </dsp:sp>
-    <dsp:sp modelId="{FD3D933E-DDAF-47C8-9680-34842310471F}">
+    <dsp:sp modelId="{D61FDA12-5D0C-4DD5-91AA-399A0875B9CC}">
       <dsp:nvSpPr>
         <dsp:cNvPr id="0" name=""/>
         <dsp:cNvSpPr/>
       </dsp:nvSpPr>
       <dsp:spPr>
         <a:xfrm>
-          <a:off x="997117" y="228083"/>
-          <a:ext cx="607851" cy="607851"/>
+          <a:off x="224480" y="552452"/>
+          <a:ext cx="517308" cy="517308"/>
         </a:xfrm>
         <a:prstGeom prst="rect">
           <a:avLst/>
@@ -1810,15 +1840,15 @@
         </a:fontRef>
       </dsp:style>
     </dsp:sp>
-    <dsp:sp modelId="{A7B7DA12-5BC1-43FF-B3E3-84EB611D4914}">
+    <dsp:sp modelId="{D62FD104-102F-4BB0-8C23-8EFA4082E4E6}">
       <dsp:nvSpPr>
         <dsp:cNvPr id="0" name=""/>
         <dsp:cNvSpPr/>
       </dsp:nvSpPr>
       <dsp:spPr>
         <a:xfrm>
-          <a:off x="432683" y="1391685"/>
-          <a:ext cx="1736718" cy="694687"/>
+          <a:off x="1120214" y="365150"/>
+          <a:ext cx="2102364" cy="891912"/>
         </a:xfrm>
         <a:prstGeom prst="rect">
           <a:avLst/>
@@ -1842,12 +1872,12 @@
         <a:fontRef idx="minor"/>
       </dsp:style>
       <dsp:txBody>
-        <a:bodyPr spcFirstLastPara="0" vert="horz" wrap="square" lIns="0" tIns="0" rIns="0" bIns="0" numCol="1" spcCol="1270" anchor="t" anchorCtr="0">
+        <a:bodyPr spcFirstLastPara="0" vert="horz" wrap="square" lIns="0" tIns="0" rIns="0" bIns="0" numCol="1" spcCol="1270" anchor="ctr" anchorCtr="0">
           <a:noAutofit/>
         </a:bodyPr>
         <a:lstStyle/>
         <a:p>
-          <a:pPr marL="0" lvl="0" indent="0" algn="ctr" defTabSz="488950">
+          <a:pPr marL="0" lvl="0" indent="0" algn="l" defTabSz="666750">
             <a:lnSpc>
               <a:spcPct val="100000"/>
             </a:lnSpc>
@@ -1858,48 +1888,41 @@
               <a:spcPct val="35000"/>
             </a:spcAft>
             <a:buNone/>
-            <a:defRPr cap="all"/>
           </a:pPr>
           <a:r>
-            <a:rPr kumimoji="1" lang="en-US" sz="1100" kern="1200" dirty="0"/>
+            <a:rPr kumimoji="1" lang="en-US" sz="1500" kern="1200"/>
             <a:t>Easily accessible online:</a:t>
           </a:r>
           <a:br>
-            <a:rPr kumimoji="1" lang="en-US" sz="1100" kern="1200" dirty="0"/>
+            <a:rPr kumimoji="1" lang="en-US" sz="1500" kern="1200"/>
           </a:br>
           <a:r>
-            <a:rPr kumimoji="1" lang="en-US" sz="1100" kern="1200" dirty="0"/>
+            <a:rPr kumimoji="1" lang="en-US" sz="1500" kern="1200"/>
             <a:t> </a:t>
           </a:r>
           <a:r>
-            <a:rPr lang="en-US" sz="1100" kern="1200">
+            <a:rPr lang="en-US" sz="1500" kern="1200">
               <a:hlinkClick xmlns:r="http://schemas.openxmlformats.org/officeDocument/2006/relationships" r:id="rId3"/>
             </a:rPr>
-            <a:t>https://</a:t>
+            <a:t>https://proj.hyunatic.com/</a:t>
           </a:r>
-          <a:r>
-            <a:rPr lang="en-US" sz="1100" kern="1200" dirty="0">
-              <a:hlinkClick xmlns:r="http://schemas.openxmlformats.org/officeDocument/2006/relationships" r:id="rId3"/>
-            </a:rPr>
-            <a:t>proj.hyunatic.com/</a:t>
-          </a:r>
-          <a:endParaRPr lang="en-US" sz="1100" kern="1200" dirty="0"/>
+          <a:endParaRPr lang="en-US" sz="1500" kern="1200"/>
         </a:p>
       </dsp:txBody>
       <dsp:txXfrm>
-        <a:off x="432683" y="1391685"/>
-        <a:ext cx="1736718" cy="694687"/>
+        <a:off x="1120214" y="365150"/>
+        <a:ext cx="2102364" cy="891912"/>
       </dsp:txXfrm>
     </dsp:sp>
-    <dsp:sp modelId="{B104725D-DACA-4028-AA00-083B940ED16B}">
+    <dsp:sp modelId="{A716A12F-CF90-4116-B7B2-AA7B2587330C}">
       <dsp:nvSpPr>
         <dsp:cNvPr id="0" name=""/>
         <dsp:cNvSpPr/>
       </dsp:nvSpPr>
       <dsp:spPr>
         <a:xfrm>
-          <a:off x="2811988" y="2310"/>
-          <a:ext cx="1059398" cy="1059398"/>
+          <a:off x="3588900" y="365150"/>
+          <a:ext cx="891912" cy="891912"/>
         </a:xfrm>
         <a:prstGeom prst="ellipse">
           <a:avLst/>
@@ -1930,15 +1953,15 @@
         <a:fontRef idx="minor"/>
       </dsp:style>
     </dsp:sp>
-    <dsp:sp modelId="{59AC4D8A-F942-4A27-AC17-9E79A41F7892}">
+    <dsp:sp modelId="{BEC15DE4-BBBB-44D5-9A8B-B65376C34156}">
       <dsp:nvSpPr>
         <dsp:cNvPr id="0" name=""/>
         <dsp:cNvSpPr/>
       </dsp:nvSpPr>
       <dsp:spPr>
         <a:xfrm>
-          <a:off x="3037761" y="228083"/>
-          <a:ext cx="607851" cy="607851"/>
+          <a:off x="3776201" y="552452"/>
+          <a:ext cx="517308" cy="517308"/>
         </a:xfrm>
         <a:prstGeom prst="rect">
           <a:avLst/>
@@ -1979,15 +2002,15 @@
         </a:fontRef>
       </dsp:style>
     </dsp:sp>
-    <dsp:sp modelId="{F57B2406-8695-42F1-ACDD-85451EF93C84}">
+    <dsp:sp modelId="{B37B1E37-860C-47A5-9F70-350C59FCDB28}">
       <dsp:nvSpPr>
         <dsp:cNvPr id="0" name=""/>
         <dsp:cNvSpPr/>
       </dsp:nvSpPr>
       <dsp:spPr>
         <a:xfrm>
-          <a:off x="2473328" y="1391685"/>
-          <a:ext cx="1736718" cy="694687"/>
+          <a:off x="4671935" y="365150"/>
+          <a:ext cx="2102364" cy="891912"/>
         </a:xfrm>
         <a:prstGeom prst="rect">
           <a:avLst/>
@@ -2011,12 +2034,12 @@
         <a:fontRef idx="minor"/>
       </dsp:style>
       <dsp:txBody>
-        <a:bodyPr spcFirstLastPara="0" vert="horz" wrap="square" lIns="0" tIns="0" rIns="0" bIns="0" numCol="1" spcCol="1270" anchor="t" anchorCtr="0">
+        <a:bodyPr spcFirstLastPara="0" vert="horz" wrap="square" lIns="0" tIns="0" rIns="0" bIns="0" numCol="1" spcCol="1270" anchor="ctr" anchorCtr="0">
           <a:noAutofit/>
         </a:bodyPr>
         <a:lstStyle/>
         <a:p>
-          <a:pPr marL="0" lvl="0" indent="0" algn="ctr" defTabSz="488950">
+          <a:pPr marL="0" lvl="0" indent="0" algn="l" defTabSz="666750">
             <a:lnSpc>
               <a:spcPct val="100000"/>
             </a:lnSpc>
@@ -2027,29 +2050,28 @@
               <a:spcPct val="35000"/>
             </a:spcAft>
             <a:buNone/>
-            <a:defRPr cap="all"/>
           </a:pPr>
           <a:r>
-            <a:rPr kumimoji="1" lang="en-US" sz="1100" kern="1200"/>
+            <a:rPr kumimoji="1" lang="en-US" sz="1500" kern="1200"/>
             <a:t>Responsive Website and mobile friendly</a:t>
           </a:r>
-          <a:endParaRPr lang="en-US" sz="1100" kern="1200"/>
+          <a:endParaRPr lang="en-US" sz="1500" kern="1200"/>
         </a:p>
       </dsp:txBody>
       <dsp:txXfrm>
-        <a:off x="2473328" y="1391685"/>
-        <a:ext cx="1736718" cy="694687"/>
+        <a:off x="4671935" y="365150"/>
+        <a:ext cx="2102364" cy="891912"/>
       </dsp:txXfrm>
     </dsp:sp>
-    <dsp:sp modelId="{3101D66C-3D6A-4094-AE61-D97835794F3D}">
+    <dsp:sp modelId="{1FD42F5D-6D0A-4EF5-B608-8959589EF232}">
       <dsp:nvSpPr>
         <dsp:cNvPr id="0" name=""/>
         <dsp:cNvSpPr/>
       </dsp:nvSpPr>
       <dsp:spPr>
         <a:xfrm>
-          <a:off x="4852632" y="2310"/>
-          <a:ext cx="1059398" cy="1059398"/>
+          <a:off x="7140621" y="365150"/>
+          <a:ext cx="891912" cy="891912"/>
         </a:xfrm>
         <a:prstGeom prst="ellipse">
           <a:avLst/>
@@ -2080,15 +2102,15 @@
         <a:fontRef idx="minor"/>
       </dsp:style>
     </dsp:sp>
-    <dsp:sp modelId="{9295058A-AC28-41F2-A7D8-54574E3A976F}">
+    <dsp:sp modelId="{BFF1B6C4-75F7-4749-88FE-2D0C63EA245F}">
       <dsp:nvSpPr>
         <dsp:cNvPr id="0" name=""/>
         <dsp:cNvSpPr/>
       </dsp:nvSpPr>
       <dsp:spPr>
         <a:xfrm>
-          <a:off x="5078406" y="228083"/>
-          <a:ext cx="607851" cy="607851"/>
+          <a:off x="7327922" y="552452"/>
+          <a:ext cx="517308" cy="517308"/>
         </a:xfrm>
         <a:prstGeom prst="rect">
           <a:avLst/>
@@ -2129,15 +2151,15 @@
         </a:fontRef>
       </dsp:style>
     </dsp:sp>
-    <dsp:sp modelId="{1DE21A29-6867-46E3-8306-628294E892AF}">
+    <dsp:sp modelId="{4D8A10CD-BC5E-433C-B57B-311BE694045B}">
       <dsp:nvSpPr>
         <dsp:cNvPr id="0" name=""/>
         <dsp:cNvSpPr/>
       </dsp:nvSpPr>
       <dsp:spPr>
         <a:xfrm>
-          <a:off x="4513972" y="1391685"/>
-          <a:ext cx="1736718" cy="694687"/>
+          <a:off x="8223657" y="365150"/>
+          <a:ext cx="2102364" cy="891912"/>
         </a:xfrm>
         <a:prstGeom prst="rect">
           <a:avLst/>
@@ -2161,12 +2183,12 @@
         <a:fontRef idx="minor"/>
       </dsp:style>
       <dsp:txBody>
-        <a:bodyPr spcFirstLastPara="0" vert="horz" wrap="square" lIns="0" tIns="0" rIns="0" bIns="0" numCol="1" spcCol="1270" anchor="t" anchorCtr="0">
+        <a:bodyPr spcFirstLastPara="0" vert="horz" wrap="square" lIns="0" tIns="0" rIns="0" bIns="0" numCol="1" spcCol="1270" anchor="ctr" anchorCtr="0">
           <a:noAutofit/>
         </a:bodyPr>
         <a:lstStyle/>
         <a:p>
-          <a:pPr marL="0" lvl="0" indent="0" algn="ctr" defTabSz="488950">
+          <a:pPr marL="0" lvl="0" indent="0" algn="l" defTabSz="666750">
             <a:lnSpc>
               <a:spcPct val="100000"/>
             </a:lnSpc>
@@ -2177,29 +2199,28 @@
               <a:spcPct val="35000"/>
             </a:spcAft>
             <a:buNone/>
-            <a:defRPr cap="all"/>
           </a:pPr>
           <a:r>
-            <a:rPr kumimoji="1" lang="en-US" sz="1100" kern="1200"/>
+            <a:rPr kumimoji="1" lang="en-US" sz="1500" kern="1200"/>
             <a:t>Clean user interface</a:t>
           </a:r>
-          <a:endParaRPr lang="en-US" sz="1100" kern="1200"/>
+          <a:endParaRPr lang="en-US" sz="1500" kern="1200"/>
         </a:p>
       </dsp:txBody>
       <dsp:txXfrm>
-        <a:off x="4513972" y="1391685"/>
-        <a:ext cx="1736718" cy="694687"/>
+        <a:off x="8223657" y="365150"/>
+        <a:ext cx="2102364" cy="891912"/>
       </dsp:txXfrm>
     </dsp:sp>
-    <dsp:sp modelId="{8C597919-A729-464F-A282-73EA95E947AB}">
+    <dsp:sp modelId="{99BCB457-3578-42B3-A0CB-EE260F3766D3}">
       <dsp:nvSpPr>
         <dsp:cNvPr id="0" name=""/>
         <dsp:cNvSpPr/>
       </dsp:nvSpPr>
       <dsp:spPr>
         <a:xfrm>
-          <a:off x="771343" y="2520552"/>
-          <a:ext cx="1059398" cy="1059398"/>
+          <a:off x="37178" y="1772004"/>
+          <a:ext cx="891912" cy="891912"/>
         </a:xfrm>
         <a:prstGeom prst="ellipse">
           <a:avLst/>
@@ -2230,15 +2251,15 @@
         <a:fontRef idx="minor"/>
       </dsp:style>
     </dsp:sp>
-    <dsp:sp modelId="{1379F335-3A94-4AC7-B306-1693DB84B029}">
+    <dsp:sp modelId="{B5A6A3C4-3F8F-4E80-A629-4F5CB94B019E}">
       <dsp:nvSpPr>
         <dsp:cNvPr id="0" name=""/>
         <dsp:cNvSpPr/>
       </dsp:nvSpPr>
       <dsp:spPr>
         <a:xfrm>
-          <a:off x="997117" y="2746325"/>
-          <a:ext cx="607851" cy="607851"/>
+          <a:off x="224480" y="1959305"/>
+          <a:ext cx="517308" cy="517308"/>
         </a:xfrm>
         <a:prstGeom prst="rect">
           <a:avLst/>
@@ -2279,15 +2300,15 @@
         </a:fontRef>
       </dsp:style>
     </dsp:sp>
-    <dsp:sp modelId="{872B27DB-7B26-4811-9D61-515F2BC24175}">
+    <dsp:sp modelId="{AF7F822B-B774-45DE-995D-146C050825B2}">
       <dsp:nvSpPr>
         <dsp:cNvPr id="0" name=""/>
         <dsp:cNvSpPr/>
       </dsp:nvSpPr>
       <dsp:spPr>
         <a:xfrm>
-          <a:off x="432683" y="3909927"/>
-          <a:ext cx="1736718" cy="694687"/>
+          <a:off x="1120214" y="1772004"/>
+          <a:ext cx="2102364" cy="891912"/>
         </a:xfrm>
         <a:prstGeom prst="rect">
           <a:avLst/>
@@ -2311,12 +2332,12 @@
         <a:fontRef idx="minor"/>
       </dsp:style>
       <dsp:txBody>
-        <a:bodyPr spcFirstLastPara="0" vert="horz" wrap="square" lIns="0" tIns="0" rIns="0" bIns="0" numCol="1" spcCol="1270" anchor="t" anchorCtr="0">
+        <a:bodyPr spcFirstLastPara="0" vert="horz" wrap="square" lIns="0" tIns="0" rIns="0" bIns="0" numCol="1" spcCol="1270" anchor="ctr" anchorCtr="0">
           <a:noAutofit/>
         </a:bodyPr>
         <a:lstStyle/>
         <a:p>
-          <a:pPr marL="0" lvl="0" indent="0" algn="ctr" defTabSz="488950">
+          <a:pPr marL="0" lvl="0" indent="0" algn="l" defTabSz="666750">
             <a:lnSpc>
               <a:spcPct val="100000"/>
             </a:lnSpc>
@@ -2327,29 +2348,28 @@
               <a:spcPct val="35000"/>
             </a:spcAft>
             <a:buNone/>
-            <a:defRPr cap="all"/>
           </a:pPr>
           <a:r>
-            <a:rPr kumimoji="1" lang="en-US" sz="1100" kern="1200"/>
+            <a:rPr kumimoji="1" lang="en-US" sz="1500" kern="1200"/>
             <a:t>Canteen Auntie (Chatbot)</a:t>
           </a:r>
-          <a:endParaRPr lang="en-US" sz="1100" kern="1200"/>
+          <a:endParaRPr lang="en-US" sz="1500" kern="1200"/>
         </a:p>
       </dsp:txBody>
       <dsp:txXfrm>
-        <a:off x="432683" y="3909927"/>
-        <a:ext cx="1736718" cy="694687"/>
+        <a:off x="1120214" y="1772004"/>
+        <a:ext cx="2102364" cy="891912"/>
       </dsp:txXfrm>
     </dsp:sp>
-    <dsp:sp modelId="{33960868-877B-4D7C-9D04-E5F3BC5D0BC7}">
+    <dsp:sp modelId="{FC48E905-6522-4661-8F14-2D9BB6F45ACC}">
       <dsp:nvSpPr>
         <dsp:cNvPr id="0" name=""/>
         <dsp:cNvSpPr/>
       </dsp:nvSpPr>
       <dsp:spPr>
         <a:xfrm>
-          <a:off x="2811988" y="2520552"/>
-          <a:ext cx="1059398" cy="1059398"/>
+          <a:off x="3588900" y="1772004"/>
+          <a:ext cx="891912" cy="891912"/>
         </a:xfrm>
         <a:prstGeom prst="ellipse">
           <a:avLst/>
@@ -2380,15 +2400,15 @@
         <a:fontRef idx="minor"/>
       </dsp:style>
     </dsp:sp>
-    <dsp:sp modelId="{36E7CDEF-A603-41B9-8030-E89CBB5DD90F}">
+    <dsp:sp modelId="{7B186C7E-1811-440D-9BB5-135460168AF0}">
       <dsp:nvSpPr>
         <dsp:cNvPr id="0" name=""/>
         <dsp:cNvSpPr/>
       </dsp:nvSpPr>
       <dsp:spPr>
         <a:xfrm>
-          <a:off x="3037761" y="2746325"/>
-          <a:ext cx="607851" cy="607851"/>
+          <a:off x="3776201" y="1959305"/>
+          <a:ext cx="517308" cy="517308"/>
         </a:xfrm>
         <a:prstGeom prst="rect">
           <a:avLst/>
@@ -2429,15 +2449,15 @@
         </a:fontRef>
       </dsp:style>
     </dsp:sp>
-    <dsp:sp modelId="{2798F7B4-51CE-46A5-9B9E-D84005488A5E}">
+    <dsp:sp modelId="{4553BBE0-3616-496B-8848-5C8AE9881E0E}">
       <dsp:nvSpPr>
         <dsp:cNvPr id="0" name=""/>
         <dsp:cNvSpPr/>
       </dsp:nvSpPr>
       <dsp:spPr>
         <a:xfrm>
-          <a:off x="2473328" y="3909927"/>
-          <a:ext cx="1736718" cy="694687"/>
+          <a:off x="4671936" y="1772004"/>
+          <a:ext cx="2102364" cy="891912"/>
         </a:xfrm>
         <a:prstGeom prst="rect">
           <a:avLst/>
@@ -2461,12 +2481,12 @@
         <a:fontRef idx="minor"/>
       </dsp:style>
       <dsp:txBody>
-        <a:bodyPr spcFirstLastPara="0" vert="horz" wrap="square" lIns="0" tIns="0" rIns="0" bIns="0" numCol="1" spcCol="1270" anchor="t" anchorCtr="0">
+        <a:bodyPr spcFirstLastPara="0" vert="horz" wrap="square" lIns="0" tIns="0" rIns="0" bIns="0" numCol="1" spcCol="1270" anchor="ctr" anchorCtr="0">
           <a:noAutofit/>
         </a:bodyPr>
         <a:lstStyle/>
         <a:p>
-          <a:pPr marL="0" lvl="0" indent="0" algn="ctr" defTabSz="488950">
+          <a:pPr marL="0" lvl="0" indent="0" algn="l" defTabSz="666750">
             <a:lnSpc>
               <a:spcPct val="100000"/>
             </a:lnSpc>
@@ -2477,29 +2497,28 @@
               <a:spcPct val="35000"/>
             </a:spcAft>
             <a:buNone/>
-            <a:defRPr cap="all"/>
           </a:pPr>
           <a:r>
-            <a:rPr kumimoji="1" lang="en-US" sz="1100" kern="1200" dirty="0"/>
+            <a:rPr kumimoji="1" lang="en-US" sz="1500" kern="1200"/>
             <a:t>Online Credit card payment</a:t>
           </a:r>
-          <a:endParaRPr lang="en-US" sz="1100" kern="1200" dirty="0"/>
+          <a:endParaRPr lang="en-US" sz="1500" kern="1200"/>
         </a:p>
       </dsp:txBody>
       <dsp:txXfrm>
-        <a:off x="2473328" y="3909927"/>
-        <a:ext cx="1736718" cy="694687"/>
+        <a:off x="4671936" y="1772004"/>
+        <a:ext cx="2102364" cy="891912"/>
       </dsp:txXfrm>
     </dsp:sp>
-    <dsp:sp modelId="{47BA7453-0EEE-F74A-AACF-BAF0D9DA8C38}">
+    <dsp:sp modelId="{5AE2D653-9F31-4A9B-8060-E9D5734ED84C}">
       <dsp:nvSpPr>
         <dsp:cNvPr id="0" name=""/>
         <dsp:cNvSpPr/>
       </dsp:nvSpPr>
       <dsp:spPr>
         <a:xfrm>
-          <a:off x="4852632" y="2520552"/>
-          <a:ext cx="1059398" cy="1059398"/>
+          <a:off x="7140621" y="1772004"/>
+          <a:ext cx="891912" cy="891912"/>
         </a:xfrm>
         <a:prstGeom prst="ellipse">
           <a:avLst/>
@@ -2530,15 +2549,15 @@
         <a:fontRef idx="minor"/>
       </dsp:style>
     </dsp:sp>
-    <dsp:sp modelId="{916130BC-9D8D-534F-AD6A-E079922297FA}">
+    <dsp:sp modelId="{78B1FE3E-6C93-4C6D-B1C7-894DD4E8541F}">
       <dsp:nvSpPr>
         <dsp:cNvPr id="0" name=""/>
         <dsp:cNvSpPr/>
       </dsp:nvSpPr>
       <dsp:spPr>
         <a:xfrm>
-          <a:off x="5078406" y="2746325"/>
-          <a:ext cx="607851" cy="607851"/>
+          <a:off x="7327922" y="1959305"/>
+          <a:ext cx="517308" cy="517308"/>
         </a:xfrm>
         <a:prstGeom prst="rect">
           <a:avLst/>
@@ -2549,23 +2568,17 @@
               <a:ext uri="{28A0092B-C50C-407E-A947-70E740481C1C}">
                 <a14:useLocalDpi xmlns:a14="http://schemas.microsoft.com/office/drawing/2010/main" val="0"/>
               </a:ext>
+              <a:ext uri="{96DAC541-7B7A-43D3-8B79-37D633B846F1}">
+                <asvg:svgBlip xmlns:asvg="http://schemas.microsoft.com/office/drawing/2016/SVG/main" r:embed="rId13"/>
+              </a:ext>
             </a:extLst>
           </a:blip>
-          <a:srcRect/>
           <a:stretch>
             <a:fillRect/>
           </a:stretch>
         </a:blipFill>
         <a:ln w="15875" cap="flat" cmpd="sng" algn="ctr">
-          <a:solidFill>
-            <a:schemeClr val="lt1">
-              <a:alpha val="0"/>
-              <a:hueOff val="0"/>
-              <a:satOff val="0"/>
-              <a:lumOff val="0"/>
-              <a:alphaOff val="0"/>
-            </a:schemeClr>
-          </a:solidFill>
+          <a:noFill/>
           <a:prstDash val="solid"/>
         </a:ln>
         <a:effectLst/>
@@ -2585,15 +2598,15 @@
         </a:fontRef>
       </dsp:style>
     </dsp:sp>
-    <dsp:sp modelId="{B7FD7B42-C6E3-B941-9F7C-B8C527EF4F4D}">
+    <dsp:sp modelId="{A0913CE1-D7B4-4187-AF6E-A44EC8C49FAE}">
       <dsp:nvSpPr>
         <dsp:cNvPr id="0" name=""/>
         <dsp:cNvSpPr/>
       </dsp:nvSpPr>
       <dsp:spPr>
         <a:xfrm>
-          <a:off x="4513972" y="3909927"/>
-          <a:ext cx="1736718" cy="694687"/>
+          <a:off x="8223657" y="1772004"/>
+          <a:ext cx="2102364" cy="891912"/>
         </a:xfrm>
         <a:prstGeom prst="rect">
           <a:avLst/>
@@ -2617,12 +2630,12 @@
         <a:fontRef idx="minor"/>
       </dsp:style>
       <dsp:txBody>
-        <a:bodyPr spcFirstLastPara="0" vert="horz" wrap="square" lIns="0" tIns="0" rIns="0" bIns="0" numCol="1" spcCol="1270" anchor="t" anchorCtr="0">
+        <a:bodyPr spcFirstLastPara="0" vert="horz" wrap="square" lIns="0" tIns="0" rIns="0" bIns="0" numCol="1" spcCol="1270" anchor="ctr" anchorCtr="0">
           <a:noAutofit/>
         </a:bodyPr>
         <a:lstStyle/>
         <a:p>
-          <a:pPr marL="0" lvl="0" indent="0" algn="ctr" defTabSz="488950">
+          <a:pPr marL="0" lvl="0" indent="0" algn="l" defTabSz="666750">
             <a:lnSpc>
               <a:spcPct val="100000"/>
             </a:lnSpc>
@@ -2633,26 +2646,17 @@
               <a:spcPct val="35000"/>
             </a:spcAft>
             <a:buNone/>
-            <a:defRPr cap="all"/>
           </a:pPr>
           <a:r>
-            <a:rPr lang="en-US" altLang="ko-KR" sz="1100" kern="1200" dirty="0"/>
-            <a:t>Live news from </a:t>
+            <a:rPr lang="en-US" altLang="ko-KR" sz="1500" kern="1200"/>
+            <a:t>Live news from ntu twitter</a:t>
           </a:r>
-          <a:r>
-            <a:rPr lang="en-US" altLang="ko-KR" sz="1100" kern="1200" dirty="0" err="1"/>
-            <a:t>ntu</a:t>
-          </a:r>
-          <a:r>
-            <a:rPr lang="en-US" altLang="ko-KR" sz="1100" kern="1200" dirty="0"/>
-            <a:t> twitter</a:t>
-          </a:r>
-          <a:endParaRPr lang="ko-KR" altLang="en-US" sz="1100" kern="1200" dirty="0"/>
+          <a:endParaRPr lang="ko-KR" altLang="en-US" sz="1500" kern="1200"/>
         </a:p>
       </dsp:txBody>
       <dsp:txXfrm>
-        <a:off x="4513972" y="3909927"/>
-        <a:ext cx="1736718" cy="694687"/>
+        <a:off x="8223657" y="1772004"/>
+        <a:ext cx="2102364" cy="891912"/>
       </dsp:txXfrm>
     </dsp:sp>
   </dsp:spTree>
@@ -2660,9 +2664,9 @@
 </file>
 
 <file path=ppt/diagrams/layout1.xml><?xml version="1.0" encoding="utf-8"?>
-<dgm:layoutDef xmlns:dgm="http://schemas.openxmlformats.org/drawingml/2006/diagram" xmlns:a="http://schemas.openxmlformats.org/drawingml/2006/main" uniqueId="urn:microsoft.com/office/officeart/2018/5/layout/IconCircleLabelList">
-  <dgm:title val="Icon Circle Label List"/>
-  <dgm:desc val="Use to show non-sequential or grouped chunks of information accompanied by a related visuals. Works best with icons or small pictures with short text captions."/>
+<dgm:layoutDef xmlns:dgm="http://schemas.openxmlformats.org/drawingml/2006/diagram" xmlns:a="http://schemas.openxmlformats.org/drawingml/2006/main" uniqueId="urn:microsoft.com/office/officeart/2018/2/layout/IconCircleList">
+  <dgm:title val="Icon Circle List"/>
+  <dgm:desc val="Use to show non-sequential or grouped chunks of information accompanied by related visuals. Circular shapes can hold an icon or small picture and corresponding text box shows Level 1 text. Works best for icons or small pictures with medium-length descriptions."/>
   <dgm:catLst>
     <dgm:cat type="icon" pri="500"/>
   </dgm:catLst>
@@ -2692,172 +2696,170 @@
       <dgm:dir/>
       <dgm:resizeHandles val="exact"/>
     </dgm:varLst>
-    <dgm:choose name="Name0">
-      <dgm:if name="Name1" axis="self" func="var" arg="dir" op="equ" val="norm">
-        <dgm:alg type="snake">
-          <dgm:param type="grDir" val="tL"/>
-          <dgm:param type="flowDir" val="row"/>
-          <dgm:param type="contDir" val="sameDir"/>
-          <dgm:param type="off" val="ctr"/>
-          <dgm:param type="vertAlign" val="mid"/>
-          <dgm:param type="horzAlign" val="ctr"/>
-        </dgm:alg>
-      </dgm:if>
-      <dgm:else name="Name2">
-        <dgm:alg type="snake">
-          <dgm:param type="grDir" val="tR"/>
-          <dgm:param type="flowDir" val="row"/>
-          <dgm:param type="contDir" val="sameDir"/>
-          <dgm:param type="off" val="ctr"/>
-          <dgm:param type="vertAlign" val="mid"/>
-          <dgm:param type="horzAlign" val="ctr"/>
-        </dgm:alg>
-      </dgm:else>
-    </dgm:choose>
+    <dgm:alg type="sp"/>
     <dgm:shape xmlns:r="http://schemas.openxmlformats.org/officeDocument/2006/relationships" r:blip="">
       <dgm:adjLst/>
     </dgm:shape>
     <dgm:presOf/>
-    <dgm:choose name="Name3">
-      <dgm:if name="Name4" axis="ch" ptType="node" func="cnt" op="lte" val="2">
+    <dgm:choose name="Name0">
+      <dgm:if name="Name1" axis="ch" ptType="node" func="cnt" op="lte" val="3">
         <dgm:constrLst>
-          <dgm:constr type="h" for="ch" forName="compNode" refType="h" fact="0.4"/>
-          <dgm:constr type="w" for="ch" forName="compNode" val="100"/>
-          <dgm:constr type="w" for="ch" forName="sibTrans" refType="w" refFor="ch" refForName="compNode" fact="0.175"/>
-          <dgm:constr type="sp" refType="w" refFor="ch" refForName="compNode" op="equ" fact="0.25"/>
-          <dgm:constr type="primFontSz" for="des" ptType="node" op="equ" val="44"/>
-          <dgm:constr type="h" for="des" forName="compNode" op="equ"/>
-          <dgm:constr type="h" for="des" forName="textRect" op="equ"/>
+          <dgm:constr type="w" for="ch" forName="container" refType="w"/>
+          <dgm:constr type="h" for="ch" forName="container" refType="h" fact="0.4"/>
         </dgm:constrLst>
       </dgm:if>
-      <dgm:if name="Name5" axis="ch" ptType="node" func="cnt" op="lte" val="3">
+      <dgm:else name="Name2">
         <dgm:constrLst>
-          <dgm:constr type="h" for="ch" forName="compNode" refType="h" fact="0.4"/>
-          <dgm:constr type="w" for="ch" forName="compNode" val="100"/>
-          <dgm:constr type="w" for="ch" forName="sibTrans" refType="w" refFor="ch" refForName="compNode" fact="0.175"/>
-          <dgm:constr type="sp" refType="w" refFor="ch" refForName="compNode" op="equ" fact="0.25"/>
-          <dgm:constr type="primFontSz" for="des" ptType="node" op="equ" val="40"/>
-          <dgm:constr type="h" for="des" forName="compNode" op="equ"/>
-          <dgm:constr type="h" for="des" forName="textRect" op="equ"/>
-        </dgm:constrLst>
-      </dgm:if>
-      <dgm:if name="Name6" axis="ch" ptType="node" func="cnt" op="lte" val="4">
-        <dgm:constrLst>
-          <dgm:constr type="h" for="ch" forName="compNode" refType="h" fact="0.4"/>
-          <dgm:constr type="w" for="ch" forName="compNode" refType="w"/>
-          <dgm:constr type="w" for="ch" forName="sibTrans" refType="w" refFor="ch" refForName="compNode" fact="0.175"/>
-          <dgm:constr type="sp" refType="w" refFor="ch" refForName="compNode" op="equ" fact="0.25"/>
-          <dgm:constr type="primFontSz" for="des" ptType="node" op="equ" val="32"/>
-          <dgm:constr type="h" for="des" forName="compNode" op="equ"/>
-          <dgm:constr type="h" for="des" forName="textRect" op="equ"/>
-        </dgm:constrLst>
-      </dgm:if>
-      <dgm:else name="Name7">
-        <dgm:constrLst>
-          <dgm:constr type="h" for="ch" forName="compNode" refType="h" fact="0.4"/>
-          <dgm:constr type="w" for="ch" forName="compNode" refType="w"/>
-          <dgm:constr type="w" for="ch" forName="sibTrans" refType="w" refFor="ch" refForName="compNode" fact="0.175"/>
-          <dgm:constr type="sp" refType="w" refFor="ch" refForName="compNode" op="equ" fact="0.25"/>
-          <dgm:constr type="primFontSz" for="des" ptType="node" op="equ" val="24"/>
-          <dgm:constr type="h" for="des" forName="compNode" op="equ"/>
-          <dgm:constr type="h" for="des" forName="textRect" op="equ"/>
+          <dgm:constr type="w" for="ch" forName="container" refType="w"/>
+          <dgm:constr type="h" for="ch" forName="container" refType="h"/>
         </dgm:constrLst>
       </dgm:else>
     </dgm:choose>
     <dgm:ruleLst>
-      <dgm:rule type="w" for="ch" forName="compNode" val="50" fact="NaN" max="NaN"/>
+      <dgm:rule type="h" for="ch" forName="container" val="INF" fact="NaN" max="NaN"/>
     </dgm:ruleLst>
-    <dgm:forEach name="Name8" axis="ch" ptType="node">
-      <dgm:layoutNode name="compNode">
-        <dgm:alg type="composite"/>
-        <dgm:shape xmlns:r="http://schemas.openxmlformats.org/officeDocument/2006/relationships" r:blip="">
-          <dgm:adjLst/>
-        </dgm:shape>
-        <dgm:presOf axis="self"/>
-        <dgm:constrLst>
-          <dgm:constr type="w" for="ch" forName="iconBgRect" refType="w" fact="0.61"/>
-          <dgm:constr type="h" for="ch" forName="iconBgRect" refType="w" refFor="ch" refForName="iconBgRect"/>
-          <dgm:constr type="t" for="ch" forName="iconBgRect"/>
-          <dgm:constr type="ctrX" for="ch" forName="iconBgRect" refType="w" fact="0.5"/>
-          <dgm:constr type="w" for="ch" forName="iconRect" refType="w" fact="0.35"/>
-          <dgm:constr type="h" for="ch" forName="iconRect" refType="w" refFor="ch" refForName="iconRect"/>
-          <dgm:constr type="ctrX" for="ch" forName="iconRect" refType="ctrX" refFor="ch" refForName="iconBgRect"/>
-          <dgm:constr type="ctrY" for="ch" forName="iconRect" refType="ctrY" refFor="ch" refForName="iconBgRect"/>
-          <dgm:constr type="h" for="ch" forName="spaceRect" refType="w" fact="0.19"/>
-          <dgm:constr type="w" for="ch" forName="spaceRect" refType="w"/>
-          <dgm:constr type="l" for="ch" forName="spaceRect"/>
-          <dgm:constr type="t" for="ch" forName="spaceRect" refType="b" refFor="ch" refForName="iconBgRect"/>
-          <dgm:constr type="h" for="ch" forName="textRect" val="20"/>
-          <dgm:constr type="w" for="ch" forName="textRect" refType="w"/>
-          <dgm:constr type="l" for="ch" forName="textRect"/>
-          <dgm:constr type="t" for="ch" forName="textRect" refType="b" refFor="ch" refForName="spaceRect"/>
-        </dgm:constrLst>
-        <dgm:ruleLst>
-          <dgm:rule type="h" val="INF" fact="NaN" max="NaN"/>
-        </dgm:ruleLst>
-        <dgm:layoutNode name="iconBgRect" styleLbl="bgShp">
-          <dgm:alg type="sp"/>
-          <dgm:shape xmlns:r="http://schemas.openxmlformats.org/officeDocument/2006/relationships" type="ellipse" r:blip="">
-            <dgm:adjLst/>
-          </dgm:shape>
-          <dgm:presOf/>
-          <dgm:constrLst/>
-          <dgm:ruleLst/>
-        </dgm:layoutNode>
-        <dgm:layoutNode name="iconRect" styleLbl="node1">
-          <dgm:alg type="sp"/>
-          <dgm:shape xmlns:r="http://schemas.openxmlformats.org/officeDocument/2006/relationships" type="rect" r:blip="" blipPhldr="1">
-            <dgm:adjLst/>
-          </dgm:shape>
-          <dgm:presOf/>
-          <dgm:constrLst/>
-          <dgm:ruleLst/>
-        </dgm:layoutNode>
-        <dgm:layoutNode name="spaceRect">
-          <dgm:alg type="sp"/>
-          <dgm:shape xmlns:r="http://schemas.openxmlformats.org/officeDocument/2006/relationships" r:blip="">
-            <dgm:adjLst/>
-          </dgm:shape>
-          <dgm:presOf/>
-          <dgm:constrLst/>
-          <dgm:ruleLst/>
-        </dgm:layoutNode>
-        <dgm:layoutNode name="textRect" styleLbl="revTx">
-          <dgm:varLst>
-            <dgm:chMax val="1"/>
-            <dgm:chPref val="1"/>
-          </dgm:varLst>
-          <dgm:alg type="tx">
-            <dgm:param type="txAnchorVert" val="t"/>
+    <dgm:layoutNode name="container">
+      <dgm:varLst>
+        <dgm:dir/>
+        <dgm:resizeHandles val="exact"/>
+      </dgm:varLst>
+      <dgm:choose name="Name3">
+        <dgm:if name="Name4" axis="self" func="var" arg="dir" op="equ" val="norm">
+          <dgm:alg type="snake">
+            <dgm:param type="grDir" val="tL"/>
+            <dgm:param type="flowDir" val="row"/>
+            <dgm:param type="contDir" val="sameDir"/>
           </dgm:alg>
-          <dgm:shape xmlns:r="http://schemas.openxmlformats.org/officeDocument/2006/relationships" type="rect" r:blip="">
-            <dgm:adjLst/>
-          </dgm:shape>
-          <dgm:presOf axis="self" ptType="node"/>
-          <dgm:constrLst>
-            <dgm:constr type="lMarg"/>
-            <dgm:constr type="rMarg"/>
-            <dgm:constr type="tMarg"/>
-            <dgm:constr type="bMarg"/>
-          </dgm:constrLst>
-          <dgm:ruleLst>
-            <dgm:rule type="primFontSz" val="11" fact="NaN" max="NaN"/>
-            <dgm:rule type="h" val="INF" fact="NaN" max="NaN"/>
-          </dgm:ruleLst>
-        </dgm:layoutNode>
-      </dgm:layoutNode>
-      <dgm:forEach name="Name9" axis="followSib" ptType="sibTrans" cnt="1">
-        <dgm:layoutNode name="sibTrans">
-          <dgm:alg type="sp"/>
+        </dgm:if>
+        <dgm:else name="Name5">
+          <dgm:alg type="snake">
+            <dgm:param type="grDir" val="tR"/>
+            <dgm:param type="flowDir" val="row"/>
+            <dgm:param type="contDir" val="sameDir"/>
+          </dgm:alg>
+        </dgm:else>
+      </dgm:choose>
+      <dgm:shape xmlns:r="http://schemas.openxmlformats.org/officeDocument/2006/relationships" r:blip="">
+        <dgm:adjLst/>
+      </dgm:shape>
+      <dgm:presOf/>
+      <dgm:constrLst>
+        <dgm:constr type="w" for="ch" forName="compNode" refType="w"/>
+        <dgm:constr type="h" for="ch" forName="compNode" refType="w" fact="0.28"/>
+        <dgm:constr type="w" for="ch" forName="sibTrans" refType="w" refFor="ch" refForName="compNode" fact="0.115"/>
+        <dgm:constr type="sp" refType="h" op="equ" fact="0.17"/>
+        <dgm:constr type="primFontSz" for="des" ptType="node" op="equ" val="24"/>
+        <dgm:constr type="h" for="des" forName="compNode" op="equ"/>
+        <dgm:constr type="h" for="des" forName="iconBgRect" op="equ"/>
+      </dgm:constrLst>
+      <dgm:ruleLst>
+        <dgm:rule type="w" for="ch" forName="compNode" val="60" fact="NaN" max="NaN"/>
+      </dgm:ruleLst>
+      <dgm:forEach name="Name6" axis="ch" ptType="node">
+        <dgm:layoutNode name="compNode">
+          <dgm:alg type="composite"/>
           <dgm:shape xmlns:r="http://schemas.openxmlformats.org/officeDocument/2006/relationships" r:blip="">
             <dgm:adjLst/>
           </dgm:shape>
           <dgm:presOf axis="self"/>
-          <dgm:constrLst/>
+          <dgm:constrLst>
+            <dgm:constr type="w" for="ch" forName="iconBgRect" refType="w" fact="0.28"/>
+            <dgm:constr type="h" for="ch" forName="iconBgRect" refType="w" refFor="ch" refForName="iconBgRect"/>
+            <dgm:constr type="t" for="ch" forName="iconBgRect"/>
+            <dgm:constr type="l" for="ch" forName="iconBgRect"/>
+            <dgm:constr type="w" for="ch" forName="iconRect" refType="w" refFor="ch" refForName="iconBgRect" fact="0.58"/>
+            <dgm:constr type="h" for="ch" forName="iconRect" refType="w" refFor="ch" refForName="iconRect"/>
+            <dgm:constr type="ctrX" for="ch" forName="iconRect" refType="ctrX" refFor="ch" refForName="iconBgRect"/>
+            <dgm:constr type="ctrY" for="ch" forName="iconRect" refType="ctrY" refFor="ch" refForName="iconBgRect"/>
+            <dgm:constr type="w" for="ch" forName="spaceRect" refType="w" fact="0.06"/>
+            <dgm:constr type="h" for="ch" forName="spaceRect" refType="h" refFor="ch" refForName="iconBgRect"/>
+            <dgm:constr type="t" for="ch" forName="spaceRect" refType="t" refFor="ch" refForName="iconBgRect"/>
+            <dgm:constr type="l" for="ch" forName="spaceRect" refType="r" refFor="ch" refForName="iconBgRect"/>
+            <dgm:constr type="h" for="ch" forName="textRect" refType="h" refFor="ch" refForName="iconBgRect"/>
+            <dgm:constr type="t" for="ch" forName="textRect" refType="t" refFor="ch" refForName="iconBgRect"/>
+            <dgm:constr type="l" for="ch" forName="textRect" refType="r" refFor="ch" refForName="spaceRect"/>
+          </dgm:constrLst>
           <dgm:ruleLst/>
+          <dgm:layoutNode name="iconBgRect" styleLbl="bgShp">
+            <dgm:alg type="sp"/>
+            <dgm:shape xmlns:r="http://schemas.openxmlformats.org/officeDocument/2006/relationships" type="ellipse" r:blip="">
+              <dgm:adjLst/>
+            </dgm:shape>
+            <dgm:presOf/>
+            <dgm:constrLst/>
+            <dgm:ruleLst/>
+          </dgm:layoutNode>
+          <dgm:layoutNode name="iconRect" styleLbl="node1">
+            <dgm:alg type="sp"/>
+            <dgm:shape xmlns:r="http://schemas.openxmlformats.org/officeDocument/2006/relationships" type="rect" r:blip="" blipPhldr="1">
+              <dgm:adjLst/>
+            </dgm:shape>
+            <dgm:presOf/>
+            <dgm:constrLst/>
+            <dgm:ruleLst/>
+          </dgm:layoutNode>
+          <dgm:layoutNode name="spaceRect">
+            <dgm:alg type="sp"/>
+            <dgm:shape xmlns:r="http://schemas.openxmlformats.org/officeDocument/2006/relationships" r:blip="">
+              <dgm:adjLst/>
+            </dgm:shape>
+            <dgm:presOf/>
+            <dgm:constrLst/>
+            <dgm:ruleLst/>
+          </dgm:layoutNode>
+          <dgm:layoutNode name="textRect" styleLbl="revTx">
+            <dgm:varLst>
+              <dgm:chMax val="1"/>
+              <dgm:chPref val="1"/>
+            </dgm:varLst>
+            <dgm:choose name="Name7">
+              <dgm:if name="Name8" func="var" arg="dir" op="equ" val="norm">
+                <dgm:alg type="tx">
+                  <dgm:param type="txAnchorVert" val="mid"/>
+                  <dgm:param type="parTxLTRAlign" val="l"/>
+                  <dgm:param type="shpTxLTRAlignCh" val="l"/>
+                  <dgm:param type="parTxRTLAlign" val="l"/>
+                  <dgm:param type="shpTxRTLAlignCh" val="l"/>
+                </dgm:alg>
+              </dgm:if>
+              <dgm:else name="Name9">
+                <dgm:alg type="tx">
+                  <dgm:param type="txAnchorVert" val="mid"/>
+                  <dgm:param type="parTxLTRAlign" val="r"/>
+                  <dgm:param type="shpTxLTRAlignCh" val="r"/>
+                  <dgm:param type="parTxRTLAlign" val="r"/>
+                  <dgm:param type="shpTxRTLAlignCh" val="r"/>
+                </dgm:alg>
+              </dgm:else>
+            </dgm:choose>
+            <dgm:shape xmlns:r="http://schemas.openxmlformats.org/officeDocument/2006/relationships" type="rect" r:blip="">
+              <dgm:adjLst/>
+            </dgm:shape>
+            <dgm:presOf axis="self" ptType="node"/>
+            <dgm:constrLst>
+              <dgm:constr type="lMarg"/>
+              <dgm:constr type="rMarg"/>
+              <dgm:constr type="tMarg"/>
+              <dgm:constr type="bMarg"/>
+            </dgm:constrLst>
+            <dgm:ruleLst>
+              <dgm:rule type="primFontSz" val="11" fact="NaN" max="NaN"/>
+            </dgm:ruleLst>
+          </dgm:layoutNode>
         </dgm:layoutNode>
+        <dgm:forEach name="Name10" axis="followSib" ptType="sibTrans" cnt="1">
+          <dgm:layoutNode name="sibTrans">
+            <dgm:alg type="sp"/>
+            <dgm:shape xmlns:r="http://schemas.openxmlformats.org/officeDocument/2006/relationships" type="rect" r:blip="" hideGeom="1">
+              <dgm:adjLst/>
+            </dgm:shape>
+            <dgm:presOf axis="self"/>
+            <dgm:constrLst/>
+            <dgm:ruleLst/>
+          </dgm:layoutNode>
+        </dgm:forEach>
       </dgm:forEach>
-    </dgm:forEach>
+    </dgm:layoutNode>
   </dgm:layoutNode>
   <dgm:extLst>
     <a:ext uri="{68A01E43-0DF5-4B5B-8FA6-DAF915123BFB}">
@@ -2866,7 +2868,6 @@
           <a:lnSpc>
             <a:spcPct val="100000"/>
           </a:lnSpc>
-          <a:defRPr cap="all"/>
         </a:lvl1pPr>
       </dgm1612:lstStyle>
     </a:ext>
@@ -4079,7 +4080,7 @@
           <a:p>
             <a:fld id="{A2B3656B-D715-824C-8031-6B37F52EFF8C}" type="datetimeFigureOut">
               <a:rPr kumimoji="1" lang="ko-KR" altLang="en-US" smtClean="0"/>
-              <a:t>2019. 11. 9.</a:t>
+              <a:t>2019-11-12</a:t>
             </a:fld>
             <a:endParaRPr kumimoji="1" lang="ko-KR" altLang="en-US"/>
           </a:p>
@@ -4396,7 +4397,7 @@
           <a:p>
             <a:fld id="{A2B3656B-D715-824C-8031-6B37F52EFF8C}" type="datetimeFigureOut">
               <a:rPr kumimoji="1" lang="ko-KR" altLang="en-US" smtClean="0"/>
-              <a:t>2019. 11. 9.</a:t>
+              <a:t>2019-11-12</a:t>
             </a:fld>
             <a:endParaRPr kumimoji="1" lang="ko-KR" altLang="en-US"/>
           </a:p>
@@ -4623,7 +4624,7 @@
           <a:p>
             <a:fld id="{A2B3656B-D715-824C-8031-6B37F52EFF8C}" type="datetimeFigureOut">
               <a:rPr kumimoji="1" lang="ko-KR" altLang="en-US" smtClean="0"/>
-              <a:t>2019. 11. 9.</a:t>
+              <a:t>2019-11-12</a:t>
             </a:fld>
             <a:endParaRPr kumimoji="1" lang="ko-KR" altLang="en-US"/>
           </a:p>
@@ -4924,7 +4925,7 @@
           <a:p>
             <a:fld id="{A2B3656B-D715-824C-8031-6B37F52EFF8C}" type="datetimeFigureOut">
               <a:rPr kumimoji="1" lang="ko-KR" altLang="en-US" smtClean="0"/>
-              <a:t>2019. 11. 9.</a:t>
+              <a:t>2019-11-12</a:t>
             </a:fld>
             <a:endParaRPr kumimoji="1" lang="ko-KR" altLang="en-US"/>
           </a:p>
@@ -5383,7 +5384,7 @@
           <a:p>
             <a:fld id="{A2B3656B-D715-824C-8031-6B37F52EFF8C}" type="datetimeFigureOut">
               <a:rPr kumimoji="1" lang="ko-KR" altLang="en-US" smtClean="0"/>
-              <a:t>2019. 11. 9.</a:t>
+              <a:t>2019-11-12</a:t>
             </a:fld>
             <a:endParaRPr kumimoji="1" lang="ko-KR" altLang="en-US"/>
           </a:p>
@@ -5989,7 +5990,7 @@
           <a:p>
             <a:fld id="{A2B3656B-D715-824C-8031-6B37F52EFF8C}" type="datetimeFigureOut">
               <a:rPr kumimoji="1" lang="ko-KR" altLang="en-US" smtClean="0"/>
-              <a:t>2019. 11. 9.</a:t>
+              <a:t>2019-11-12</a:t>
             </a:fld>
             <a:endParaRPr kumimoji="1" lang="ko-KR" altLang="en-US"/>
           </a:p>
@@ -6871,7 +6872,7 @@
           <a:p>
             <a:fld id="{A2B3656B-D715-824C-8031-6B37F52EFF8C}" type="datetimeFigureOut">
               <a:rPr kumimoji="1" lang="ko-KR" altLang="en-US" smtClean="0"/>
-              <a:t>2019. 11. 9.</a:t>
+              <a:t>2019-11-12</a:t>
             </a:fld>
             <a:endParaRPr kumimoji="1" lang="ko-KR" altLang="en-US"/>
           </a:p>
@@ -7052,7 +7053,7 @@
           <a:p>
             <a:fld id="{A2B3656B-D715-824C-8031-6B37F52EFF8C}" type="datetimeFigureOut">
               <a:rPr kumimoji="1" lang="ko-KR" altLang="en-US" smtClean="0"/>
-              <a:t>2019. 11. 9.</a:t>
+              <a:t>2019-11-12</a:t>
             </a:fld>
             <a:endParaRPr kumimoji="1" lang="ko-KR" altLang="en-US"/>
           </a:p>
@@ -7242,7 +7243,7 @@
           <a:p>
             <a:fld id="{A2B3656B-D715-824C-8031-6B37F52EFF8C}" type="datetimeFigureOut">
               <a:rPr kumimoji="1" lang="ko-KR" altLang="en-US" smtClean="0"/>
-              <a:t>2019. 11. 9.</a:t>
+              <a:t>2019-11-12</a:t>
             </a:fld>
             <a:endParaRPr kumimoji="1" lang="ko-KR" altLang="en-US"/>
           </a:p>
@@ -7388,7 +7389,7 @@
           <a:p>
             <a:fld id="{A2B3656B-D715-824C-8031-6B37F52EFF8C}" type="datetimeFigureOut">
               <a:rPr kumimoji="1" lang="ko-KR" altLang="en-US" smtClean="0"/>
-              <a:t>2019. 11. 9.</a:t>
+              <a:t>2019-11-12</a:t>
             </a:fld>
             <a:endParaRPr kumimoji="1" lang="ko-KR" altLang="en-US"/>
           </a:p>
@@ -7569,7 +7570,7 @@
           <a:p>
             <a:fld id="{A2B3656B-D715-824C-8031-6B37F52EFF8C}" type="datetimeFigureOut">
               <a:rPr kumimoji="1" lang="ko-KR" altLang="en-US" smtClean="0"/>
-              <a:t>2019. 11. 9.</a:t>
+              <a:t>2019-11-12</a:t>
             </a:fld>
             <a:endParaRPr kumimoji="1" lang="ko-KR" altLang="en-US"/>
           </a:p>
@@ -7854,7 +7855,7 @@
           <a:p>
             <a:fld id="{A2B3656B-D715-824C-8031-6B37F52EFF8C}" type="datetimeFigureOut">
               <a:rPr kumimoji="1" lang="ko-KR" altLang="en-US" smtClean="0"/>
-              <a:t>2019. 11. 9.</a:t>
+              <a:t>2019-11-12</a:t>
             </a:fld>
             <a:endParaRPr kumimoji="1" lang="ko-KR" altLang="en-US"/>
           </a:p>
@@ -8073,7 +8074,7 @@
           <a:p>
             <a:fld id="{A2B3656B-D715-824C-8031-6B37F52EFF8C}" type="datetimeFigureOut">
               <a:rPr kumimoji="1" lang="ko-KR" altLang="en-US" smtClean="0"/>
-              <a:t>2019. 11. 9.</a:t>
+              <a:t>2019-11-12</a:t>
             </a:fld>
             <a:endParaRPr kumimoji="1" lang="ko-KR" altLang="en-US"/>
           </a:p>
@@ -8450,7 +8451,7 @@
           <a:p>
             <a:fld id="{A2B3656B-D715-824C-8031-6B37F52EFF8C}" type="datetimeFigureOut">
               <a:rPr kumimoji="1" lang="ko-KR" altLang="en-US" smtClean="0"/>
-              <a:t>2019. 11. 9.</a:t>
+              <a:t>2019-11-12</a:t>
             </a:fld>
             <a:endParaRPr kumimoji="1" lang="ko-KR" altLang="en-US"/>
           </a:p>
@@ -8598,7 +8599,7 @@
           <a:p>
             <a:fld id="{A2B3656B-D715-824C-8031-6B37F52EFF8C}" type="datetimeFigureOut">
               <a:rPr kumimoji="1" lang="ko-KR" altLang="en-US" smtClean="0"/>
-              <a:t>2019. 11. 9.</a:t>
+              <a:t>2019-11-12</a:t>
             </a:fld>
             <a:endParaRPr kumimoji="1" lang="ko-KR" altLang="en-US"/>
           </a:p>
@@ -8723,7 +8724,7 @@
           <a:p>
             <a:fld id="{A2B3656B-D715-824C-8031-6B37F52EFF8C}" type="datetimeFigureOut">
               <a:rPr kumimoji="1" lang="ko-KR" altLang="en-US" smtClean="0"/>
-              <a:t>2019. 11. 9.</a:t>
+              <a:t>2019-11-12</a:t>
             </a:fld>
             <a:endParaRPr kumimoji="1" lang="ko-KR" altLang="en-US"/>
           </a:p>
@@ -8983,7 +8984,7 @@
           <a:p>
             <a:fld id="{A2B3656B-D715-824C-8031-6B37F52EFF8C}" type="datetimeFigureOut">
               <a:rPr kumimoji="1" lang="ko-KR" altLang="en-US" smtClean="0"/>
-              <a:t>2019. 11. 9.</a:t>
+              <a:t>2019-11-12</a:t>
             </a:fld>
             <a:endParaRPr kumimoji="1" lang="ko-KR" altLang="en-US"/>
           </a:p>
@@ -9300,7 +9301,7 @@
           <a:p>
             <a:fld id="{A2B3656B-D715-824C-8031-6B37F52EFF8C}" type="datetimeFigureOut">
               <a:rPr kumimoji="1" lang="ko-KR" altLang="en-US" smtClean="0"/>
-              <a:t>2019. 11. 9.</a:t>
+              <a:t>2019-11-12</a:t>
             </a:fld>
             <a:endParaRPr kumimoji="1" lang="ko-KR" altLang="en-US"/>
           </a:p>
@@ -9534,7 +9535,7 @@
           <a:p>
             <a:fld id="{A2B3656B-D715-824C-8031-6B37F52EFF8C}" type="datetimeFigureOut">
               <a:rPr kumimoji="1" lang="ko-KR" altLang="en-US" smtClean="0"/>
-              <a:t>2019. 11. 9.</a:t>
+              <a:t>2019-11-12</a:t>
             </a:fld>
             <a:endParaRPr kumimoji="1" lang="ko-KR" altLang="en-US"/>
           </a:p>
@@ -10697,136 +10698,6 @@
       </p:grpSpPr>
       <p:sp>
         <p:nvSpPr>
-          <p:cNvPr id="10" name="Rectangle 9">
-            <a:extLst>
-              <a:ext uri="{FF2B5EF4-FFF2-40B4-BE49-F238E27FC236}">
-                <a16:creationId xmlns:a16="http://schemas.microsoft.com/office/drawing/2014/main" id="{3A9C15D4-2EE7-4D05-B87C-91D1F3B9604B}"/>
-              </a:ext>
-              <a:ext uri="{C183D7F6-B498-43B3-948B-1728B52AA6E4}">
-                <adec:decorative xmlns:adec="http://schemas.microsoft.com/office/drawing/2017/decorative" val="1"/>
-              </a:ext>
-            </a:extLst>
-          </p:cNvPr>
-          <p:cNvSpPr>
-            <a:spLocks noGrp="1" noRot="1" noChangeAspect="1" noMove="1" noResize="1" noEditPoints="1" noAdjustHandles="1" noChangeArrowheads="1" noChangeShapeType="1" noTextEdit="1"/>
-          </p:cNvSpPr>
-          <p:nvPr>
-            <p:extLst>
-              <p:ext uri="{386F3935-93C4-4BCD-93E2-E3B085C9AB24}">
-                <p16:designElem xmlns:p16="http://schemas.microsoft.com/office/powerpoint/2015/main" val="1"/>
-              </p:ext>
-            </p:extLst>
-          </p:nvPr>
-        </p:nvSpPr>
-        <p:spPr>
-          <a:xfrm>
-            <a:off x="4059935" y="0"/>
-            <a:ext cx="8132065" cy="6858000"/>
-          </a:xfrm>
-          <a:prstGeom prst="rect">
-            <a:avLst/>
-          </a:prstGeom>
-          <a:solidFill>
-            <a:schemeClr val="bg1"/>
-          </a:solidFill>
-          <a:ln>
-            <a:noFill/>
-          </a:ln>
-        </p:spPr>
-        <p:style>
-          <a:lnRef idx="2">
-            <a:schemeClr val="accent1">
-              <a:shade val="50000"/>
-            </a:schemeClr>
-          </a:lnRef>
-          <a:fillRef idx="1">
-            <a:schemeClr val="accent1"/>
-          </a:fillRef>
-          <a:effectRef idx="0">
-            <a:schemeClr val="accent1"/>
-          </a:effectRef>
-          <a:fontRef idx="minor">
-            <a:schemeClr val="lt1"/>
-          </a:fontRef>
-        </p:style>
-        <p:txBody>
-          <a:bodyPr rtlCol="0" anchor="ctr"/>
-          <a:lstStyle/>
-          <a:p>
-            <a:pPr algn="ctr"/>
-            <a:endParaRPr lang="en-US"/>
-          </a:p>
-        </p:txBody>
-      </p:sp>
-      <p:sp useBgFill="1">
-        <p:nvSpPr>
-          <p:cNvPr id="12" name="Rectangle 11">
-            <a:extLst>
-              <a:ext uri="{FF2B5EF4-FFF2-40B4-BE49-F238E27FC236}">
-                <a16:creationId xmlns:a16="http://schemas.microsoft.com/office/drawing/2014/main" id="{4ED7B0FB-9654-4441-9545-02D458B68620}"/>
-              </a:ext>
-              <a:ext uri="{C183D7F6-B498-43B3-948B-1728B52AA6E4}">
-                <adec:decorative xmlns:adec="http://schemas.microsoft.com/office/drawing/2017/decorative" val="1"/>
-              </a:ext>
-            </a:extLst>
-          </p:cNvPr>
-          <p:cNvSpPr>
-            <a:spLocks noGrp="1" noRot="1" noChangeAspect="1" noMove="1" noResize="1" noEditPoints="1" noAdjustHandles="1" noChangeArrowheads="1" noChangeShapeType="1" noTextEdit="1"/>
-          </p:cNvSpPr>
-          <p:nvPr>
-            <p:extLst>
-              <p:ext uri="{386F3935-93C4-4BCD-93E2-E3B085C9AB24}">
-                <p16:designElem xmlns:p16="http://schemas.microsoft.com/office/powerpoint/2015/main" val="1"/>
-              </p:ext>
-            </p:extLst>
-          </p:nvPr>
-        </p:nvSpPr>
-        <p:spPr>
-          <a:xfrm>
-            <a:off x="0" y="0"/>
-            <a:ext cx="4059935" cy="6858000"/>
-          </a:xfrm>
-          <a:prstGeom prst="rect">
-            <a:avLst/>
-          </a:prstGeom>
-          <a:ln>
-            <a:noFill/>
-          </a:ln>
-          <a:effectLst>
-            <a:outerShdw blurRad="50800" dist="12700" algn="l" rotWithShape="0">
-              <a:prstClr val="black">
-                <a:alpha val="30000"/>
-              </a:prstClr>
-            </a:outerShdw>
-          </a:effectLst>
-        </p:spPr>
-        <p:style>
-          <a:lnRef idx="2">
-            <a:schemeClr val="accent1">
-              <a:shade val="50000"/>
-            </a:schemeClr>
-          </a:lnRef>
-          <a:fillRef idx="1">
-            <a:schemeClr val="accent1"/>
-          </a:fillRef>
-          <a:effectRef idx="0">
-            <a:schemeClr val="accent1"/>
-          </a:effectRef>
-          <a:fontRef idx="minor">
-            <a:schemeClr val="lt1"/>
-          </a:fontRef>
-        </p:style>
-        <p:txBody>
-          <a:bodyPr rtlCol="0" anchor="ctr"/>
-          <a:lstStyle/>
-          <a:p>
-            <a:pPr algn="ctr"/>
-            <a:endParaRPr lang="en-US"/>
-          </a:p>
-        </p:txBody>
-      </p:sp>
-      <p:sp>
-        <p:nvSpPr>
           <p:cNvPr id="2" name="제목 1">
             <a:extLst>
               <a:ext uri="{FF2B5EF4-FFF2-40B4-BE49-F238E27FC236}">
@@ -10843,8 +10714,8 @@
         </p:nvSpPr>
         <p:spPr>
           <a:xfrm>
-            <a:off x="641074" y="1314450"/>
-            <a:ext cx="2844002" cy="3680244"/>
+            <a:off x="913775" y="618517"/>
+            <a:ext cx="10364451" cy="1596177"/>
           </a:xfrm>
         </p:spPr>
         <p:txBody>
@@ -10853,103 +10724,14 @@
           </a:bodyPr>
           <a:lstStyle/>
           <a:p>
-            <a:pPr algn="l"/>
             <a:r>
-              <a:rPr kumimoji="1" lang="en-US" altLang="ko-KR" sz="4400"/>
+              <a:rPr kumimoji="1" lang="en-US" altLang="ko-KR"/>
               <a:t>Special Features</a:t>
             </a:r>
-            <a:endParaRPr kumimoji="1" lang="ko-KR" altLang="en-US" sz="4400"/>
+            <a:endParaRPr kumimoji="1" lang="ko-KR" altLang="en-US"/>
           </a:p>
         </p:txBody>
       </p:sp>
-      <p:pic>
-        <p:nvPicPr>
-          <p:cNvPr id="14" name="Picture 13">
-            <a:extLst>
-              <a:ext uri="{FF2B5EF4-FFF2-40B4-BE49-F238E27FC236}">
-                <a16:creationId xmlns:a16="http://schemas.microsoft.com/office/drawing/2014/main" id="{7BB94C57-FDF3-45A3-9D1F-904523D795D4}"/>
-              </a:ext>
-              <a:ext uri="{C183D7F6-B498-43B3-948B-1728B52AA6E4}">
-                <adec:decorative xmlns:adec="http://schemas.microsoft.com/office/drawing/2017/decorative" val="1"/>
-              </a:ext>
-            </a:extLst>
-          </p:cNvPr>
-          <p:cNvPicPr>
-            <a:picLocks noGrp="1" noRot="1" noChangeAspect="1" noMove="1" noResize="1" noEditPoints="1" noAdjustHandles="1" noChangeArrowheads="1" noChangeShapeType="1" noCrop="1"/>
-          </p:cNvPicPr>
-          <p:nvPr>
-            <p:extLst>
-              <p:ext uri="{386F3935-93C4-4BCD-93E2-E3B085C9AB24}">
-                <p16:designElem xmlns:p16="http://schemas.microsoft.com/office/powerpoint/2015/main" val="1"/>
-              </p:ext>
-            </p:extLst>
-          </p:nvPr>
-        </p:nvPicPr>
-        <p:blipFill rotWithShape="1">
-          <a:blip r:embed="rId2">
-            <a:extLst>
-              <a:ext uri="{28A0092B-C50C-407E-A947-70E740481C1C}">
-                <a14:useLocalDpi xmlns:a14="http://schemas.microsoft.com/office/drawing/2010/main" val="0"/>
-              </a:ext>
-            </a:extLst>
-          </a:blip>
-          <a:srcRect r="66700" b="77917"/>
-          <a:stretch/>
-        </p:blipFill>
-        <p:spPr>
-          <a:xfrm>
-            <a:off x="0" y="0"/>
-            <a:ext cx="4059935" cy="1514475"/>
-          </a:xfrm>
-          <a:prstGeom prst="rect">
-            <a:avLst/>
-          </a:prstGeom>
-        </p:spPr>
-      </p:pic>
-      <p:pic>
-        <p:nvPicPr>
-          <p:cNvPr id="16" name="Picture 15">
-            <a:extLst>
-              <a:ext uri="{FF2B5EF4-FFF2-40B4-BE49-F238E27FC236}">
-                <a16:creationId xmlns:a16="http://schemas.microsoft.com/office/drawing/2014/main" id="{6AEBDF1A-221A-4497-BBA9-57A70D161510}"/>
-              </a:ext>
-              <a:ext uri="{C183D7F6-B498-43B3-948B-1728B52AA6E4}">
-                <adec:decorative xmlns:adec="http://schemas.microsoft.com/office/drawing/2017/decorative" val="1"/>
-              </a:ext>
-            </a:extLst>
-          </p:cNvPr>
-          <p:cNvPicPr>
-            <a:picLocks noGrp="1" noRot="1" noChangeAspect="1" noMove="1" noResize="1" noEditPoints="1" noAdjustHandles="1" noChangeArrowheads="1" noChangeShapeType="1" noCrop="1"/>
-          </p:cNvPicPr>
-          <p:nvPr>
-            <p:extLst>
-              <p:ext uri="{386F3935-93C4-4BCD-93E2-E3B085C9AB24}">
-                <p16:designElem xmlns:p16="http://schemas.microsoft.com/office/powerpoint/2015/main" val="1"/>
-              </p:ext>
-            </p:extLst>
-          </p:nvPr>
-        </p:nvPicPr>
-        <p:blipFill rotWithShape="1">
-          <a:blip r:embed="rId3">
-            <a:extLst>
-              <a:ext uri="{28A0092B-C50C-407E-A947-70E740481C1C}">
-                <a14:useLocalDpi xmlns:a14="http://schemas.microsoft.com/office/drawing/2010/main" val="0"/>
-              </a:ext>
-            </a:extLst>
-          </a:blip>
-          <a:srcRect l="78750" t="72830" b="14149"/>
-          <a:stretch/>
-        </p:blipFill>
-        <p:spPr>
-          <a:xfrm>
-            <a:off x="1377059" y="5962903"/>
-            <a:ext cx="2590800" cy="892925"/>
-          </a:xfrm>
-          <a:prstGeom prst="rect">
-            <a:avLst/>
-          </a:prstGeom>
-        </p:spPr>
-      </p:pic>
       <p:graphicFrame>
         <p:nvGraphicFramePr>
           <p:cNvPr id="5" name="내용 개체 틀 2">
@@ -10966,18 +10748,18 @@
             <p:ph idx="1"/>
             <p:extLst>
               <p:ext uri="{D42A27DB-BD31-4B8C-83A1-F6EECF244321}">
-                <p14:modId xmlns:p14="http://schemas.microsoft.com/office/powerpoint/2010/main" val="552010379"/>
+                <p14:modId xmlns:p14="http://schemas.microsoft.com/office/powerpoint/2010/main" val="873217531"/>
               </p:ext>
             </p:extLst>
           </p:nvPr>
         </p:nvGraphicFramePr>
         <p:xfrm>
-          <a:off x="4594225" y="889000"/>
-          <a:ext cx="6683375" cy="4606925"/>
+          <a:off x="914400" y="2532475"/>
+          <a:ext cx="10363200" cy="3029067"/>
         </p:xfrm>
         <a:graphic>
           <a:graphicData uri="http://schemas.openxmlformats.org/drawingml/2006/diagram">
-            <dgm:relIds xmlns:dgm="http://schemas.openxmlformats.org/drawingml/2006/diagram" xmlns:r="http://schemas.openxmlformats.org/officeDocument/2006/relationships" r:dm="rId4" r:lo="rId5" r:qs="rId6" r:cs="rId7"/>
+            <dgm:relIds xmlns:dgm="http://schemas.openxmlformats.org/drawingml/2006/diagram" xmlns:r="http://schemas.openxmlformats.org/officeDocument/2006/relationships" r:dm="rId2" r:lo="rId3" r:qs="rId4" r:cs="rId5"/>
           </a:graphicData>
         </a:graphic>
       </p:graphicFrame>
@@ -14773,10 +14555,10 @@
   <a:themeElements>
     <a:clrScheme name="물방울">
       <a:dk1>
-        <a:sysClr val="windowText" lastClr="000000"/>
+        <a:sysClr val="windowText" lastClr="0EA2C7"/>
       </a:dk1>
       <a:lt1>
-        <a:sysClr val="window" lastClr="FFFFFF"/>
+        <a:sysClr val="window" lastClr="1A1C1E"/>
       </a:lt1>
       <a:dk2>
         <a:srgbClr val="355071"/>
